--- a/CSCE689-23/L33.pptx
+++ b/CSCE689-23/L33.pptx
@@ -5,7 +5,7 @@
     <p:sldMasterId id="2147483648" r:id="rId1"/>
   </p:sldMasterIdLst>
   <p:notesMasterIdLst>
-    <p:notesMasterId r:id="rId27"/>
+    <p:notesMasterId r:id="rId31"/>
   </p:notesMasterIdLst>
   <p:sldIdLst>
     <p:sldId id="861" r:id="rId2"/>
@@ -26,13 +26,17 @@
     <p:sldId id="1267" r:id="rId17"/>
     <p:sldId id="1275" r:id="rId18"/>
     <p:sldId id="1274" r:id="rId19"/>
-    <p:sldId id="1276" r:id="rId20"/>
-    <p:sldId id="1277" r:id="rId21"/>
-    <p:sldId id="1278" r:id="rId22"/>
-    <p:sldId id="1280" r:id="rId23"/>
-    <p:sldId id="1282" r:id="rId24"/>
-    <p:sldId id="1281" r:id="rId25"/>
-    <p:sldId id="1279" r:id="rId26"/>
+    <p:sldId id="1283" r:id="rId20"/>
+    <p:sldId id="1276" r:id="rId21"/>
+    <p:sldId id="1277" r:id="rId22"/>
+    <p:sldId id="1284" r:id="rId23"/>
+    <p:sldId id="1278" r:id="rId24"/>
+    <p:sldId id="1285" r:id="rId25"/>
+    <p:sldId id="1280" r:id="rId26"/>
+    <p:sldId id="1286" r:id="rId27"/>
+    <p:sldId id="1282" r:id="rId28"/>
+    <p:sldId id="1281" r:id="rId29"/>
+    <p:sldId id="1279" r:id="rId30"/>
   </p:sldIdLst>
   <p:sldSz cx="12192000" cy="6858000"/>
   <p:notesSz cx="6858000" cy="9144000"/>
@@ -131,6 +135,11 @@
       </a:defRPr>
     </a:lvl9pPr>
   </p:defaultTextStyle>
+  <p:extLst>
+    <p:ext uri="{EFAFB233-063F-42B5-8137-9DF3F51BA10A}">
+      <p15:sldGuideLst xmlns:p15="http://schemas.microsoft.com/office/powerpoint/2012/main"/>
+    </p:ext>
+  </p:extLst>
 </p:presentation>
 </file>
 
@@ -216,7 +225,7 @@
           <a:p>
             <a:fld id="{9A2E7F0A-4A79-4E0C-BCFF-9C9FBDE7E9BF}" type="datetimeFigureOut">
               <a:rPr lang="en-US" smtClean="0"/>
-              <a:t>11/15/2023</a:t>
+              <a:t>11/17/2023</a:t>
             </a:fld>
             <a:endParaRPr lang="en-US"/>
           </a:p>
@@ -1364,7 +1373,7 @@
     </p:spTree>
     <p:extLst>
       <p:ext uri="{BB962C8B-B14F-4D97-AF65-F5344CB8AC3E}">
-        <p14:creationId xmlns:p14="http://schemas.microsoft.com/office/powerpoint/2010/main" val="2464621269"/>
+        <p14:creationId xmlns:p14="http://schemas.microsoft.com/office/powerpoint/2010/main" val="816904231"/>
       </p:ext>
     </p:extLst>
   </p:cSld>
@@ -1463,7 +1472,7 @@
     </p:spTree>
     <p:extLst>
       <p:ext uri="{BB962C8B-B14F-4D97-AF65-F5344CB8AC3E}">
-        <p14:creationId xmlns:p14="http://schemas.microsoft.com/office/powerpoint/2010/main" val="1040990605"/>
+        <p14:creationId xmlns:p14="http://schemas.microsoft.com/office/powerpoint/2010/main" val="2464621269"/>
       </p:ext>
     </p:extLst>
   </p:cSld>
@@ -1562,7 +1571,7 @@
     </p:spTree>
     <p:extLst>
       <p:ext uri="{BB962C8B-B14F-4D97-AF65-F5344CB8AC3E}">
-        <p14:creationId xmlns:p14="http://schemas.microsoft.com/office/powerpoint/2010/main" val="2847277164"/>
+        <p14:creationId xmlns:p14="http://schemas.microsoft.com/office/powerpoint/2010/main" val="1040990605"/>
       </p:ext>
     </p:extLst>
   </p:cSld>
@@ -1760,7 +1769,7 @@
     </p:spTree>
     <p:extLst>
       <p:ext uri="{BB962C8B-B14F-4D97-AF65-F5344CB8AC3E}">
-        <p14:creationId xmlns:p14="http://schemas.microsoft.com/office/powerpoint/2010/main" val="3253670722"/>
+        <p14:creationId xmlns:p14="http://schemas.microsoft.com/office/powerpoint/2010/main" val="1093314364"/>
       </p:ext>
     </p:extLst>
   </p:cSld>
@@ -1859,7 +1868,7 @@
     </p:spTree>
     <p:extLst>
       <p:ext uri="{BB962C8B-B14F-4D97-AF65-F5344CB8AC3E}">
-        <p14:creationId xmlns:p14="http://schemas.microsoft.com/office/powerpoint/2010/main" val="833782572"/>
+        <p14:creationId xmlns:p14="http://schemas.microsoft.com/office/powerpoint/2010/main" val="2847277164"/>
       </p:ext>
     </p:extLst>
   </p:cSld>
@@ -1958,7 +1967,7 @@
     </p:spTree>
     <p:extLst>
       <p:ext uri="{BB962C8B-B14F-4D97-AF65-F5344CB8AC3E}">
-        <p14:creationId xmlns:p14="http://schemas.microsoft.com/office/powerpoint/2010/main" val="3840116268"/>
+        <p14:creationId xmlns:p14="http://schemas.microsoft.com/office/powerpoint/2010/main" val="273006442"/>
       </p:ext>
     </p:extLst>
   </p:cSld>
@@ -2049,6 +2058,402 @@
             <a:fld id="{E2226E65-ADC9-4F29-BA00-34B3E2F9B8F0}" type="slidenum">
               <a:rPr lang="en-US" smtClean="0"/>
               <a:t>25</a:t>
+            </a:fld>
+            <a:endParaRPr lang="en-US"/>
+          </a:p>
+        </p:txBody>
+      </p:sp>
+    </p:spTree>
+    <p:extLst>
+      <p:ext uri="{BB962C8B-B14F-4D97-AF65-F5344CB8AC3E}">
+        <p14:creationId xmlns:p14="http://schemas.microsoft.com/office/powerpoint/2010/main" val="3253670722"/>
+      </p:ext>
+    </p:extLst>
+  </p:cSld>
+  <p:clrMapOvr>
+    <a:masterClrMapping/>
+  </p:clrMapOvr>
+</p:notes>
+</file>
+
+<file path=ppt/notesSlides/notesSlide24.xml><?xml version="1.0" encoding="utf-8"?>
+<p:notes xmlns:a="http://schemas.openxmlformats.org/drawingml/2006/main" xmlns:r="http://schemas.openxmlformats.org/officeDocument/2006/relationships" xmlns:p="http://schemas.openxmlformats.org/presentationml/2006/main">
+  <p:cSld>
+    <p:spTree>
+      <p:nvGrpSpPr>
+        <p:cNvPr id="1" name=""/>
+        <p:cNvGrpSpPr/>
+        <p:nvPr/>
+      </p:nvGrpSpPr>
+      <p:grpSpPr>
+        <a:xfrm>
+          <a:off x="0" y="0"/>
+          <a:ext cx="0" cy="0"/>
+          <a:chOff x="0" y="0"/>
+          <a:chExt cx="0" cy="0"/>
+        </a:xfrm>
+      </p:grpSpPr>
+      <p:sp>
+        <p:nvSpPr>
+          <p:cNvPr id="2" name="Slide Image Placeholder 1"/>
+          <p:cNvSpPr>
+            <a:spLocks noGrp="1" noRot="1" noChangeAspect="1"/>
+          </p:cNvSpPr>
+          <p:nvPr>
+            <p:ph type="sldImg"/>
+          </p:nvPr>
+        </p:nvSpPr>
+        <p:spPr/>
+      </p:sp>
+      <p:sp>
+        <p:nvSpPr>
+          <p:cNvPr id="3" name="Notes Placeholder 2"/>
+          <p:cNvSpPr>
+            <a:spLocks noGrp="1"/>
+          </p:cNvSpPr>
+          <p:nvPr>
+            <p:ph type="body" idx="1"/>
+          </p:nvPr>
+        </p:nvSpPr>
+        <p:spPr/>
+        <p:txBody>
+          <a:bodyPr/>
+          <a:lstStyle/>
+          <a:p>
+            <a:r>
+              <a:rPr lang="en-US" dirty="0"/>
+              <a:t> </a:t>
+            </a:r>
+            <a:r>
+              <a:rPr lang="en-US" dirty="0">
+                <a:solidFill>
+                  <a:srgbClr val="0070C0"/>
+                </a:solidFill>
+              </a:rPr>
+              <a:t>[DworkMcSherryNissimSmith06]</a:t>
+            </a:r>
+            <a:r>
+              <a:rPr lang="en-US" dirty="0"/>
+              <a:t> </a:t>
+            </a:r>
+          </a:p>
+        </p:txBody>
+      </p:sp>
+      <p:sp>
+        <p:nvSpPr>
+          <p:cNvPr id="4" name="Slide Number Placeholder 3"/>
+          <p:cNvSpPr>
+            <a:spLocks noGrp="1"/>
+          </p:cNvSpPr>
+          <p:nvPr>
+            <p:ph type="sldNum" sz="quarter" idx="5"/>
+          </p:nvPr>
+        </p:nvSpPr>
+        <p:spPr/>
+        <p:txBody>
+          <a:bodyPr/>
+          <a:lstStyle/>
+          <a:p>
+            <a:fld id="{E2226E65-ADC9-4F29-BA00-34B3E2F9B8F0}" type="slidenum">
+              <a:rPr lang="en-US" smtClean="0"/>
+              <a:t>26</a:t>
+            </a:fld>
+            <a:endParaRPr lang="en-US"/>
+          </a:p>
+        </p:txBody>
+      </p:sp>
+    </p:spTree>
+    <p:extLst>
+      <p:ext uri="{BB962C8B-B14F-4D97-AF65-F5344CB8AC3E}">
+        <p14:creationId xmlns:p14="http://schemas.microsoft.com/office/powerpoint/2010/main" val="1748213556"/>
+      </p:ext>
+    </p:extLst>
+  </p:cSld>
+  <p:clrMapOvr>
+    <a:masterClrMapping/>
+  </p:clrMapOvr>
+</p:notes>
+</file>
+
+<file path=ppt/notesSlides/notesSlide25.xml><?xml version="1.0" encoding="utf-8"?>
+<p:notes xmlns:a="http://schemas.openxmlformats.org/drawingml/2006/main" xmlns:r="http://schemas.openxmlformats.org/officeDocument/2006/relationships" xmlns:p="http://schemas.openxmlformats.org/presentationml/2006/main">
+  <p:cSld>
+    <p:spTree>
+      <p:nvGrpSpPr>
+        <p:cNvPr id="1" name=""/>
+        <p:cNvGrpSpPr/>
+        <p:nvPr/>
+      </p:nvGrpSpPr>
+      <p:grpSpPr>
+        <a:xfrm>
+          <a:off x="0" y="0"/>
+          <a:ext cx="0" cy="0"/>
+          <a:chOff x="0" y="0"/>
+          <a:chExt cx="0" cy="0"/>
+        </a:xfrm>
+      </p:grpSpPr>
+      <p:sp>
+        <p:nvSpPr>
+          <p:cNvPr id="2" name="Slide Image Placeholder 1"/>
+          <p:cNvSpPr>
+            <a:spLocks noGrp="1" noRot="1" noChangeAspect="1"/>
+          </p:cNvSpPr>
+          <p:nvPr>
+            <p:ph type="sldImg"/>
+          </p:nvPr>
+        </p:nvSpPr>
+        <p:spPr/>
+      </p:sp>
+      <p:sp>
+        <p:nvSpPr>
+          <p:cNvPr id="3" name="Notes Placeholder 2"/>
+          <p:cNvSpPr>
+            <a:spLocks noGrp="1"/>
+          </p:cNvSpPr>
+          <p:nvPr>
+            <p:ph type="body" idx="1"/>
+          </p:nvPr>
+        </p:nvSpPr>
+        <p:spPr/>
+        <p:txBody>
+          <a:bodyPr/>
+          <a:lstStyle/>
+          <a:p>
+            <a:r>
+              <a:rPr lang="en-US" dirty="0"/>
+              <a:t> </a:t>
+            </a:r>
+            <a:r>
+              <a:rPr lang="en-US" dirty="0">
+                <a:solidFill>
+                  <a:srgbClr val="0070C0"/>
+                </a:solidFill>
+              </a:rPr>
+              <a:t>[DworkMcSherryNissimSmith06]</a:t>
+            </a:r>
+            <a:r>
+              <a:rPr lang="en-US" dirty="0"/>
+              <a:t> </a:t>
+            </a:r>
+          </a:p>
+        </p:txBody>
+      </p:sp>
+      <p:sp>
+        <p:nvSpPr>
+          <p:cNvPr id="4" name="Slide Number Placeholder 3"/>
+          <p:cNvSpPr>
+            <a:spLocks noGrp="1"/>
+          </p:cNvSpPr>
+          <p:nvPr>
+            <p:ph type="sldNum" sz="quarter" idx="5"/>
+          </p:nvPr>
+        </p:nvSpPr>
+        <p:spPr/>
+        <p:txBody>
+          <a:bodyPr/>
+          <a:lstStyle/>
+          <a:p>
+            <a:fld id="{E2226E65-ADC9-4F29-BA00-34B3E2F9B8F0}" type="slidenum">
+              <a:rPr lang="en-US" smtClean="0"/>
+              <a:t>27</a:t>
+            </a:fld>
+            <a:endParaRPr lang="en-US"/>
+          </a:p>
+        </p:txBody>
+      </p:sp>
+    </p:spTree>
+    <p:extLst>
+      <p:ext uri="{BB962C8B-B14F-4D97-AF65-F5344CB8AC3E}">
+        <p14:creationId xmlns:p14="http://schemas.microsoft.com/office/powerpoint/2010/main" val="833782572"/>
+      </p:ext>
+    </p:extLst>
+  </p:cSld>
+  <p:clrMapOvr>
+    <a:masterClrMapping/>
+  </p:clrMapOvr>
+</p:notes>
+</file>
+
+<file path=ppt/notesSlides/notesSlide26.xml><?xml version="1.0" encoding="utf-8"?>
+<p:notes xmlns:a="http://schemas.openxmlformats.org/drawingml/2006/main" xmlns:r="http://schemas.openxmlformats.org/officeDocument/2006/relationships" xmlns:p="http://schemas.openxmlformats.org/presentationml/2006/main">
+  <p:cSld>
+    <p:spTree>
+      <p:nvGrpSpPr>
+        <p:cNvPr id="1" name=""/>
+        <p:cNvGrpSpPr/>
+        <p:nvPr/>
+      </p:nvGrpSpPr>
+      <p:grpSpPr>
+        <a:xfrm>
+          <a:off x="0" y="0"/>
+          <a:ext cx="0" cy="0"/>
+          <a:chOff x="0" y="0"/>
+          <a:chExt cx="0" cy="0"/>
+        </a:xfrm>
+      </p:grpSpPr>
+      <p:sp>
+        <p:nvSpPr>
+          <p:cNvPr id="2" name="Slide Image Placeholder 1"/>
+          <p:cNvSpPr>
+            <a:spLocks noGrp="1" noRot="1" noChangeAspect="1"/>
+          </p:cNvSpPr>
+          <p:nvPr>
+            <p:ph type="sldImg"/>
+          </p:nvPr>
+        </p:nvSpPr>
+        <p:spPr/>
+      </p:sp>
+      <p:sp>
+        <p:nvSpPr>
+          <p:cNvPr id="3" name="Notes Placeholder 2"/>
+          <p:cNvSpPr>
+            <a:spLocks noGrp="1"/>
+          </p:cNvSpPr>
+          <p:nvPr>
+            <p:ph type="body" idx="1"/>
+          </p:nvPr>
+        </p:nvSpPr>
+        <p:spPr/>
+        <p:txBody>
+          <a:bodyPr/>
+          <a:lstStyle/>
+          <a:p>
+            <a:r>
+              <a:rPr lang="en-US" dirty="0"/>
+              <a:t> </a:t>
+            </a:r>
+            <a:r>
+              <a:rPr lang="en-US" dirty="0">
+                <a:solidFill>
+                  <a:srgbClr val="0070C0"/>
+                </a:solidFill>
+              </a:rPr>
+              <a:t>[DworkMcSherryNissimSmith06]</a:t>
+            </a:r>
+            <a:r>
+              <a:rPr lang="en-US" dirty="0"/>
+              <a:t> </a:t>
+            </a:r>
+          </a:p>
+        </p:txBody>
+      </p:sp>
+      <p:sp>
+        <p:nvSpPr>
+          <p:cNvPr id="4" name="Slide Number Placeholder 3"/>
+          <p:cNvSpPr>
+            <a:spLocks noGrp="1"/>
+          </p:cNvSpPr>
+          <p:nvPr>
+            <p:ph type="sldNum" sz="quarter" idx="5"/>
+          </p:nvPr>
+        </p:nvSpPr>
+        <p:spPr/>
+        <p:txBody>
+          <a:bodyPr/>
+          <a:lstStyle/>
+          <a:p>
+            <a:fld id="{E2226E65-ADC9-4F29-BA00-34B3E2F9B8F0}" type="slidenum">
+              <a:rPr lang="en-US" smtClean="0"/>
+              <a:t>28</a:t>
+            </a:fld>
+            <a:endParaRPr lang="en-US"/>
+          </a:p>
+        </p:txBody>
+      </p:sp>
+    </p:spTree>
+    <p:extLst>
+      <p:ext uri="{BB962C8B-B14F-4D97-AF65-F5344CB8AC3E}">
+        <p14:creationId xmlns:p14="http://schemas.microsoft.com/office/powerpoint/2010/main" val="3840116268"/>
+      </p:ext>
+    </p:extLst>
+  </p:cSld>
+  <p:clrMapOvr>
+    <a:masterClrMapping/>
+  </p:clrMapOvr>
+</p:notes>
+</file>
+
+<file path=ppt/notesSlides/notesSlide27.xml><?xml version="1.0" encoding="utf-8"?>
+<p:notes xmlns:a="http://schemas.openxmlformats.org/drawingml/2006/main" xmlns:r="http://schemas.openxmlformats.org/officeDocument/2006/relationships" xmlns:p="http://schemas.openxmlformats.org/presentationml/2006/main">
+  <p:cSld>
+    <p:spTree>
+      <p:nvGrpSpPr>
+        <p:cNvPr id="1" name=""/>
+        <p:cNvGrpSpPr/>
+        <p:nvPr/>
+      </p:nvGrpSpPr>
+      <p:grpSpPr>
+        <a:xfrm>
+          <a:off x="0" y="0"/>
+          <a:ext cx="0" cy="0"/>
+          <a:chOff x="0" y="0"/>
+          <a:chExt cx="0" cy="0"/>
+        </a:xfrm>
+      </p:grpSpPr>
+      <p:sp>
+        <p:nvSpPr>
+          <p:cNvPr id="2" name="Slide Image Placeholder 1"/>
+          <p:cNvSpPr>
+            <a:spLocks noGrp="1" noRot="1" noChangeAspect="1"/>
+          </p:cNvSpPr>
+          <p:nvPr>
+            <p:ph type="sldImg"/>
+          </p:nvPr>
+        </p:nvSpPr>
+        <p:spPr/>
+      </p:sp>
+      <p:sp>
+        <p:nvSpPr>
+          <p:cNvPr id="3" name="Notes Placeholder 2"/>
+          <p:cNvSpPr>
+            <a:spLocks noGrp="1"/>
+          </p:cNvSpPr>
+          <p:nvPr>
+            <p:ph type="body" idx="1"/>
+          </p:nvPr>
+        </p:nvSpPr>
+        <p:spPr/>
+        <p:txBody>
+          <a:bodyPr/>
+          <a:lstStyle/>
+          <a:p>
+            <a:r>
+              <a:rPr lang="en-US" dirty="0"/>
+              <a:t> </a:t>
+            </a:r>
+            <a:r>
+              <a:rPr lang="en-US" dirty="0">
+                <a:solidFill>
+                  <a:srgbClr val="0070C0"/>
+                </a:solidFill>
+              </a:rPr>
+              <a:t>[DworkMcSherryNissimSmith06]</a:t>
+            </a:r>
+            <a:r>
+              <a:rPr lang="en-US" dirty="0"/>
+              <a:t> </a:t>
+            </a:r>
+          </a:p>
+        </p:txBody>
+      </p:sp>
+      <p:sp>
+        <p:nvSpPr>
+          <p:cNvPr id="4" name="Slide Number Placeholder 3"/>
+          <p:cNvSpPr>
+            <a:spLocks noGrp="1"/>
+          </p:cNvSpPr>
+          <p:nvPr>
+            <p:ph type="sldNum" sz="quarter" idx="5"/>
+          </p:nvPr>
+        </p:nvSpPr>
+        <p:spPr/>
+        <p:txBody>
+          <a:bodyPr/>
+          <a:lstStyle/>
+          <a:p>
+            <a:fld id="{E2226E65-ADC9-4F29-BA00-34B3E2F9B8F0}" type="slidenum">
+              <a:rPr lang="en-US" smtClean="0"/>
+              <a:t>29</a:t>
             </a:fld>
             <a:endParaRPr lang="en-US"/>
           </a:p>
@@ -2907,7 +3312,7 @@
           <a:p>
             <a:fld id="{9AFE589A-8305-47A6-9E14-73AB7100AF1C}" type="datetimeFigureOut">
               <a:rPr lang="en-US" smtClean="0"/>
-              <a:t>11/15/2023</a:t>
+              <a:t>11/17/2023</a:t>
             </a:fld>
             <a:endParaRPr lang="en-US"/>
           </a:p>
@@ -3105,7 +3510,7 @@
           <a:p>
             <a:fld id="{9AFE589A-8305-47A6-9E14-73AB7100AF1C}" type="datetimeFigureOut">
               <a:rPr lang="en-US" smtClean="0"/>
-              <a:t>11/15/2023</a:t>
+              <a:t>11/17/2023</a:t>
             </a:fld>
             <a:endParaRPr lang="en-US"/>
           </a:p>
@@ -3313,7 +3718,7 @@
           <a:p>
             <a:fld id="{9AFE589A-8305-47A6-9E14-73AB7100AF1C}" type="datetimeFigureOut">
               <a:rPr lang="en-US" smtClean="0"/>
-              <a:t>11/15/2023</a:t>
+              <a:t>11/17/2023</a:t>
             </a:fld>
             <a:endParaRPr lang="en-US"/>
           </a:p>
@@ -3511,7 +3916,7 @@
           <a:p>
             <a:fld id="{9AFE589A-8305-47A6-9E14-73AB7100AF1C}" type="datetimeFigureOut">
               <a:rPr lang="en-US" smtClean="0"/>
-              <a:t>11/15/2023</a:t>
+              <a:t>11/17/2023</a:t>
             </a:fld>
             <a:endParaRPr lang="en-US"/>
           </a:p>
@@ -3786,7 +4191,7 @@
           <a:p>
             <a:fld id="{9AFE589A-8305-47A6-9E14-73AB7100AF1C}" type="datetimeFigureOut">
               <a:rPr lang="en-US" smtClean="0"/>
-              <a:t>11/15/2023</a:t>
+              <a:t>11/17/2023</a:t>
             </a:fld>
             <a:endParaRPr lang="en-US"/>
           </a:p>
@@ -4051,7 +4456,7 @@
           <a:p>
             <a:fld id="{9AFE589A-8305-47A6-9E14-73AB7100AF1C}" type="datetimeFigureOut">
               <a:rPr lang="en-US" smtClean="0"/>
-              <a:t>11/15/2023</a:t>
+              <a:t>11/17/2023</a:t>
             </a:fld>
             <a:endParaRPr lang="en-US"/>
           </a:p>
@@ -4463,7 +4868,7 @@
           <a:p>
             <a:fld id="{9AFE589A-8305-47A6-9E14-73AB7100AF1C}" type="datetimeFigureOut">
               <a:rPr lang="en-US" smtClean="0"/>
-              <a:t>11/15/2023</a:t>
+              <a:t>11/17/2023</a:t>
             </a:fld>
             <a:endParaRPr lang="en-US"/>
           </a:p>
@@ -4604,7 +5009,7 @@
           <a:p>
             <a:fld id="{9AFE589A-8305-47A6-9E14-73AB7100AF1C}" type="datetimeFigureOut">
               <a:rPr lang="en-US" smtClean="0"/>
-              <a:t>11/15/2023</a:t>
+              <a:t>11/17/2023</a:t>
             </a:fld>
             <a:endParaRPr lang="en-US"/>
           </a:p>
@@ -4717,7 +5122,7 @@
           <a:p>
             <a:fld id="{9AFE589A-8305-47A6-9E14-73AB7100AF1C}" type="datetimeFigureOut">
               <a:rPr lang="en-US" smtClean="0"/>
-              <a:t>11/15/2023</a:t>
+              <a:t>11/17/2023</a:t>
             </a:fld>
             <a:endParaRPr lang="en-US"/>
           </a:p>
@@ -5028,7 +5433,7 @@
           <a:p>
             <a:fld id="{9AFE589A-8305-47A6-9E14-73AB7100AF1C}" type="datetimeFigureOut">
               <a:rPr lang="en-US" smtClean="0"/>
-              <a:t>11/15/2023</a:t>
+              <a:t>11/17/2023</a:t>
             </a:fld>
             <a:endParaRPr lang="en-US"/>
           </a:p>
@@ -5316,7 +5721,7 @@
           <a:p>
             <a:fld id="{9AFE589A-8305-47A6-9E14-73AB7100AF1C}" type="datetimeFigureOut">
               <a:rPr lang="en-US" smtClean="0"/>
-              <a:t>11/15/2023</a:t>
+              <a:t>11/17/2023</a:t>
             </a:fld>
             <a:endParaRPr lang="en-US"/>
           </a:p>
@@ -5557,7 +5962,7 @@
           <a:p>
             <a:fld id="{9AFE589A-8305-47A6-9E14-73AB7100AF1C}" type="datetimeFigureOut">
               <a:rPr lang="en-US" smtClean="0"/>
-              <a:t>11/15/2023</a:t>
+              <a:t>11/17/2023</a:t>
             </a:fld>
             <a:endParaRPr lang="en-US"/>
           </a:p>
@@ -6942,8 +7347,8 @@
           </a:p>
         </p:txBody>
       </p:sp>
-      <mc:AlternateContent xmlns:mc="http://schemas.openxmlformats.org/markup-compatibility/2006">
-        <mc:Choice xmlns:a14="http://schemas.microsoft.com/office/drawing/2010/main" Requires="a14">
+      <mc:AlternateContent xmlns:mc="http://schemas.openxmlformats.org/markup-compatibility/2006" xmlns:a14="http://schemas.microsoft.com/office/drawing/2010/main">
+        <mc:Choice Requires="a14">
           <p:sp>
             <p:nvSpPr>
               <p:cNvPr id="5" name="Content Placeholder 3">
@@ -7422,16 +7827,7 @@
                                 </a:solidFill>
                                 <a:latin typeface="Cambria Math" panose="02040503050406030204" pitchFamily="18" charset="0"/>
                               </a:rPr>
-                              <m:t>=</m:t>
-                            </m:r>
-                            <m:r>
-                              <a:rPr lang="en-US" sz="3200" b="0" i="1" smtClean="0">
-                                <a:solidFill>
-                                  <a:srgbClr val="C00000"/>
-                                </a:solidFill>
-                                <a:latin typeface="Cambria Math" panose="02040503050406030204" pitchFamily="18" charset="0"/>
-                              </a:rPr>
-                              <m:t>1−</m:t>
+                              <m:t>=1−</m:t>
                             </m:r>
                             <m:sSub>
                               <m:sSubPr>
@@ -7933,7 +8329,7 @@
             </p:txBody>
           </p:sp>
         </mc:Choice>
-        <mc:Fallback>
+        <mc:Fallback xmlns="">
           <p:sp>
             <p:nvSpPr>
               <p:cNvPr id="5" name="Content Placeholder 3">
@@ -8075,8 +8471,8 @@
           </a:p>
         </p:txBody>
       </p:sp>
-      <mc:AlternateContent xmlns:mc="http://schemas.openxmlformats.org/markup-compatibility/2006">
-        <mc:Choice xmlns:a14="http://schemas.microsoft.com/office/drawing/2010/main" Requires="a14">
+      <mc:AlternateContent xmlns:mc="http://schemas.openxmlformats.org/markup-compatibility/2006" xmlns:a14="http://schemas.microsoft.com/office/drawing/2010/main">
+        <mc:Choice Requires="a14">
           <p:sp>
             <p:nvSpPr>
               <p:cNvPr id="5" name="Content Placeholder 3">
@@ -9161,7 +9557,7 @@
                         <m:begChr m:val="["/>
                         <m:endChr m:val="]"/>
                         <m:ctrlPr>
-                          <a:rPr lang="en-US" sz="3200" b="0" i="0" smtClean="0">
+                          <a:rPr lang="en-US" sz="3200" b="0" i="1" smtClean="0">
                             <a:solidFill>
                               <a:srgbClr val="C00000"/>
                             </a:solidFill>
@@ -9368,7 +9764,7 @@
             </p:txBody>
           </p:sp>
         </mc:Choice>
-        <mc:Fallback>
+        <mc:Fallback xmlns="">
           <p:sp>
             <p:nvSpPr>
               <p:cNvPr id="5" name="Content Placeholder 3">
@@ -9510,8 +9906,8 @@
           </a:p>
         </p:txBody>
       </p:sp>
-      <mc:AlternateContent xmlns:mc="http://schemas.openxmlformats.org/markup-compatibility/2006">
-        <mc:Choice xmlns:a14="http://schemas.microsoft.com/office/drawing/2010/main" Requires="a14">
+      <mc:AlternateContent xmlns:mc="http://schemas.openxmlformats.org/markup-compatibility/2006" xmlns:a14="http://schemas.microsoft.com/office/drawing/2010/main">
+        <mc:Choice Requires="a14">
           <p:sp>
             <p:nvSpPr>
               <p:cNvPr id="5" name="Content Placeholder 3">
@@ -9628,16 +10024,7 @@
                                 </a:solidFill>
                                 <a:latin typeface="Cambria Math" panose="02040503050406030204" pitchFamily="18" charset="0"/>
                               </a:rPr>
-                              <m:t>=</m:t>
-                            </m:r>
-                            <m:r>
-                              <a:rPr lang="en-US" sz="3200" b="0" i="1" smtClean="0">
-                                <a:solidFill>
-                                  <a:srgbClr val="C00000"/>
-                                </a:solidFill>
-                                <a:latin typeface="Cambria Math" panose="02040503050406030204" pitchFamily="18" charset="0"/>
-                              </a:rPr>
-                              <m:t>1 | </m:t>
+                              <m:t>=1 | </m:t>
                             </m:r>
                             <m:sSub>
                               <m:sSubPr>
@@ -9865,16 +10252,7 @@
                                 </a:solidFill>
                                 <a:latin typeface="Cambria Math" panose="02040503050406030204" pitchFamily="18" charset="0"/>
                               </a:rPr>
-                              <m:t>=</m:t>
-                            </m:r>
-                            <m:r>
-                              <a:rPr lang="en-US" sz="3200" b="0" i="1" smtClean="0">
-                                <a:solidFill>
-                                  <a:srgbClr val="C00000"/>
-                                </a:solidFill>
-                                <a:latin typeface="Cambria Math" panose="02040503050406030204" pitchFamily="18" charset="0"/>
-                              </a:rPr>
-                              <m:t>0</m:t>
+                              <m:t>=0</m:t>
                             </m:r>
                           </m:e>
                         </m:d>
@@ -10277,7 +10655,7 @@
             </p:txBody>
           </p:sp>
         </mc:Choice>
-        <mc:Fallback>
+        <mc:Fallback xmlns="">
           <p:sp>
             <p:nvSpPr>
               <p:cNvPr id="5" name="Content Placeholder 3">
@@ -10383,8 +10761,8 @@
           </a:p>
         </p:txBody>
       </p:sp>
-      <mc:AlternateContent xmlns:mc="http://schemas.openxmlformats.org/markup-compatibility/2006">
-        <mc:Choice xmlns:a14="http://schemas.microsoft.com/office/drawing/2010/main" Requires="a14">
+      <mc:AlternateContent xmlns:mc="http://schemas.openxmlformats.org/markup-compatibility/2006" xmlns:a14="http://schemas.microsoft.com/office/drawing/2010/main">
+        <mc:Choice Requires="a14">
           <p:sp>
             <p:nvSpPr>
               <p:cNvPr id="5" name="Content Placeholder 3">
@@ -10726,7 +11104,7 @@
             </p:txBody>
           </p:sp>
         </mc:Choice>
-        <mc:Fallback>
+        <mc:Fallback xmlns="">
           <p:sp>
             <p:nvSpPr>
               <p:cNvPr id="5" name="Content Placeholder 3">
@@ -10770,8 +11148,8 @@
           </p:sp>
         </mc:Fallback>
       </mc:AlternateContent>
-      <mc:AlternateContent xmlns:mc="http://schemas.openxmlformats.org/markup-compatibility/2006">
-        <mc:Choice xmlns:a14="http://schemas.microsoft.com/office/drawing/2010/main" Requires="a14">
+      <mc:AlternateContent xmlns:mc="http://schemas.openxmlformats.org/markup-compatibility/2006" xmlns:a14="http://schemas.microsoft.com/office/drawing/2010/main">
+        <mc:Choice Requires="a14">
           <p:sp>
             <p:nvSpPr>
               <p:cNvPr id="6" name="TextBox 5">
@@ -11066,7 +11444,7 @@
             </p:txBody>
           </p:sp>
         </mc:Choice>
-        <mc:Fallback>
+        <mc:Fallback xmlns="">
           <p:sp>
             <p:nvSpPr>
               <p:cNvPr id="6" name="TextBox 5">
@@ -11168,13 +11546,13 @@
                   <a:srgbClr val="C00000"/>
                 </a:solidFill>
               </a:rPr>
-              <a:t>Local Differential Privacy</a:t>
+              <a:t>Local Differential Privacy (LDP)</a:t>
             </a:r>
           </a:p>
         </p:txBody>
       </p:sp>
-      <mc:AlternateContent xmlns:mc="http://schemas.openxmlformats.org/markup-compatibility/2006">
-        <mc:Choice xmlns:a14="http://schemas.microsoft.com/office/drawing/2010/main" Requires="a14">
+      <mc:AlternateContent xmlns:mc="http://schemas.openxmlformats.org/markup-compatibility/2006" xmlns:a14="http://schemas.microsoft.com/office/drawing/2010/main">
+        <mc:Choice Requires="a14">
           <p:sp>
             <p:nvSpPr>
               <p:cNvPr id="5" name="Content Placeholder 3">
@@ -11546,7 +11924,7 @@
             </p:txBody>
           </p:sp>
         </mc:Choice>
-        <mc:Fallback>
+        <mc:Fallback xmlns="">
           <p:sp>
             <p:nvSpPr>
               <p:cNvPr id="5" name="Content Placeholder 3">
@@ -11590,8 +11968,8 @@
           </p:sp>
         </mc:Fallback>
       </mc:AlternateContent>
-      <mc:AlternateContent xmlns:mc="http://schemas.openxmlformats.org/markup-compatibility/2006">
-        <mc:Choice xmlns:a14="http://schemas.microsoft.com/office/drawing/2010/main" Requires="a14">
+      <mc:AlternateContent xmlns:mc="http://schemas.openxmlformats.org/markup-compatibility/2006" xmlns:a14="http://schemas.microsoft.com/office/drawing/2010/main">
+        <mc:Choice Requires="a14">
           <p:sp>
             <p:nvSpPr>
               <p:cNvPr id="6" name="TextBox 5">
@@ -11886,7 +12264,7 @@
             </p:txBody>
           </p:sp>
         </mc:Choice>
-        <mc:Fallback>
+        <mc:Fallback xmlns="">
           <p:sp>
             <p:nvSpPr>
               <p:cNvPr id="6" name="TextBox 5">
@@ -11945,6 +12323,527 @@
 </file>
 
 <file path=ppt/slides/slide19.xml><?xml version="1.0" encoding="utf-8"?>
+<p:sld xmlns:a="http://schemas.openxmlformats.org/drawingml/2006/main" xmlns:r="http://schemas.openxmlformats.org/officeDocument/2006/relationships" xmlns:p="http://schemas.openxmlformats.org/presentationml/2006/main">
+  <p:cSld>
+    <p:spTree>
+      <p:nvGrpSpPr>
+        <p:cNvPr id="1" name=""/>
+        <p:cNvGrpSpPr/>
+        <p:nvPr/>
+      </p:nvGrpSpPr>
+      <p:grpSpPr>
+        <a:xfrm>
+          <a:off x="0" y="0"/>
+          <a:ext cx="0" cy="0"/>
+          <a:chOff x="0" y="0"/>
+          <a:chExt cx="0" cy="0"/>
+        </a:xfrm>
+      </p:grpSpPr>
+      <p:sp>
+        <p:nvSpPr>
+          <p:cNvPr id="2" name="Title 1">
+            <a:extLst>
+              <a:ext uri="{FF2B5EF4-FFF2-40B4-BE49-F238E27FC236}">
+                <a16:creationId xmlns:a16="http://schemas.microsoft.com/office/drawing/2014/main" id="{B17419AC-DCE6-4371-8DE2-D617E99D653D}"/>
+              </a:ext>
+            </a:extLst>
+          </p:cNvPr>
+          <p:cNvSpPr>
+            <a:spLocks noGrp="1"/>
+          </p:cNvSpPr>
+          <p:nvPr>
+            <p:ph type="title"/>
+          </p:nvPr>
+        </p:nvSpPr>
+        <p:spPr/>
+        <p:txBody>
+          <a:bodyPr/>
+          <a:lstStyle/>
+          <a:p>
+            <a:r>
+              <a:rPr lang="en-US" dirty="0">
+                <a:solidFill>
+                  <a:srgbClr val="C00000"/>
+                </a:solidFill>
+              </a:rPr>
+              <a:t>Local Differential Privacy (LDP)</a:t>
+            </a:r>
+          </a:p>
+        </p:txBody>
+      </p:sp>
+      <p:pic>
+        <p:nvPicPr>
+          <p:cNvPr id="8" name="Content Placeholder 7">
+            <a:extLst>
+              <a:ext uri="{FF2B5EF4-FFF2-40B4-BE49-F238E27FC236}">
+                <a16:creationId xmlns:a16="http://schemas.microsoft.com/office/drawing/2014/main" id="{74CA585F-F1BD-7DBD-5639-A9AE9E7906F3}"/>
+              </a:ext>
+            </a:extLst>
+          </p:cNvPr>
+          <p:cNvPicPr>
+            <a:picLocks noGrp="1" noChangeAspect="1"/>
+          </p:cNvPicPr>
+          <p:nvPr>
+            <p:ph idx="1"/>
+          </p:nvPr>
+        </p:nvPicPr>
+        <p:blipFill>
+          <a:blip r:embed="rId3">
+            <a:extLst>
+              <a:ext uri="{28A0092B-C50C-407E-A947-70E740481C1C}">
+                <a14:useLocalDpi xmlns:a14="http://schemas.microsoft.com/office/drawing/2010/main" val="0"/>
+              </a:ext>
+            </a:extLst>
+          </a:blip>
+          <a:stretch>
+            <a:fillRect/>
+          </a:stretch>
+        </p:blipFill>
+        <p:spPr>
+          <a:xfrm>
+            <a:off x="8730176" y="3499365"/>
+            <a:ext cx="2870154" cy="2870154"/>
+          </a:xfrm>
+        </p:spPr>
+      </p:pic>
+      <p:sp>
+        <p:nvSpPr>
+          <p:cNvPr id="9" name="Content Placeholder 3">
+            <a:extLst>
+              <a:ext uri="{FF2B5EF4-FFF2-40B4-BE49-F238E27FC236}">
+                <a16:creationId xmlns:a16="http://schemas.microsoft.com/office/drawing/2014/main" id="{FDDC9323-6874-2717-FB93-60801F2D2609}"/>
+              </a:ext>
+            </a:extLst>
+          </p:cNvPr>
+          <p:cNvSpPr txBox="1">
+            <a:spLocks/>
+          </p:cNvSpPr>
+          <p:nvPr/>
+        </p:nvSpPr>
+        <p:spPr>
+          <a:xfrm>
+            <a:off x="838200" y="1825624"/>
+            <a:ext cx="10242755" cy="4467600"/>
+          </a:xfrm>
+          <a:prstGeom prst="rect">
+            <a:avLst/>
+          </a:prstGeom>
+        </p:spPr>
+        <p:txBody>
+          <a:bodyPr vert="horz" lIns="91440" tIns="45720" rIns="91440" bIns="45720" rtlCol="0">
+            <a:noAutofit/>
+          </a:bodyPr>
+          <a:lstStyle>
+            <a:lvl1pPr marL="228600" indent="-228600" algn="l" defTabSz="914400" rtl="0" eaLnBrk="1" latinLnBrk="0" hangingPunct="1">
+              <a:lnSpc>
+                <a:spcPct val="90000"/>
+              </a:lnSpc>
+              <a:spcBef>
+                <a:spcPts val="1000"/>
+              </a:spcBef>
+              <a:buFont typeface="Arial" panose="020B0604020202020204" pitchFamily="34" charset="0"/>
+              <a:buChar char="•"/>
+              <a:defRPr sz="2800" kern="1200">
+                <a:solidFill>
+                  <a:schemeClr val="tx1"/>
+                </a:solidFill>
+                <a:latin typeface="+mn-lt"/>
+                <a:ea typeface="+mn-ea"/>
+                <a:cs typeface="+mn-cs"/>
+              </a:defRPr>
+            </a:lvl1pPr>
+            <a:lvl2pPr marL="685800" indent="-228600" algn="l" defTabSz="914400" rtl="0" eaLnBrk="1" latinLnBrk="0" hangingPunct="1">
+              <a:lnSpc>
+                <a:spcPct val="90000"/>
+              </a:lnSpc>
+              <a:spcBef>
+                <a:spcPts val="500"/>
+              </a:spcBef>
+              <a:buFont typeface="Arial" panose="020B0604020202020204" pitchFamily="34" charset="0"/>
+              <a:buChar char="•"/>
+              <a:defRPr sz="2400" kern="1200">
+                <a:solidFill>
+                  <a:schemeClr val="tx1"/>
+                </a:solidFill>
+                <a:latin typeface="+mn-lt"/>
+                <a:ea typeface="+mn-ea"/>
+                <a:cs typeface="+mn-cs"/>
+              </a:defRPr>
+            </a:lvl2pPr>
+            <a:lvl3pPr marL="1143000" indent="-228600" algn="l" defTabSz="914400" rtl="0" eaLnBrk="1" latinLnBrk="0" hangingPunct="1">
+              <a:lnSpc>
+                <a:spcPct val="90000"/>
+              </a:lnSpc>
+              <a:spcBef>
+                <a:spcPts val="500"/>
+              </a:spcBef>
+              <a:buFont typeface="Arial" panose="020B0604020202020204" pitchFamily="34" charset="0"/>
+              <a:buChar char="•"/>
+              <a:defRPr sz="2000" kern="1200">
+                <a:solidFill>
+                  <a:schemeClr val="tx1"/>
+                </a:solidFill>
+                <a:latin typeface="+mn-lt"/>
+                <a:ea typeface="+mn-ea"/>
+                <a:cs typeface="+mn-cs"/>
+              </a:defRPr>
+            </a:lvl3pPr>
+            <a:lvl4pPr marL="1600200" indent="-228600" algn="l" defTabSz="914400" rtl="0" eaLnBrk="1" latinLnBrk="0" hangingPunct="1">
+              <a:lnSpc>
+                <a:spcPct val="90000"/>
+              </a:lnSpc>
+              <a:spcBef>
+                <a:spcPts val="500"/>
+              </a:spcBef>
+              <a:buFont typeface="Arial" panose="020B0604020202020204" pitchFamily="34" charset="0"/>
+              <a:buChar char="•"/>
+              <a:defRPr sz="1800" kern="1200">
+                <a:solidFill>
+                  <a:schemeClr val="tx1"/>
+                </a:solidFill>
+                <a:latin typeface="+mn-lt"/>
+                <a:ea typeface="+mn-ea"/>
+                <a:cs typeface="+mn-cs"/>
+              </a:defRPr>
+            </a:lvl4pPr>
+            <a:lvl5pPr marL="2057400" indent="-228600" algn="l" defTabSz="914400" rtl="0" eaLnBrk="1" latinLnBrk="0" hangingPunct="1">
+              <a:lnSpc>
+                <a:spcPct val="90000"/>
+              </a:lnSpc>
+              <a:spcBef>
+                <a:spcPts val="500"/>
+              </a:spcBef>
+              <a:buFont typeface="Arial" panose="020B0604020202020204" pitchFamily="34" charset="0"/>
+              <a:buChar char="•"/>
+              <a:defRPr sz="1800" kern="1200">
+                <a:solidFill>
+                  <a:schemeClr val="tx1"/>
+                </a:solidFill>
+                <a:latin typeface="+mn-lt"/>
+                <a:ea typeface="+mn-ea"/>
+                <a:cs typeface="+mn-cs"/>
+              </a:defRPr>
+            </a:lvl5pPr>
+            <a:lvl6pPr marL="2514600" indent="-228600" algn="l" defTabSz="914400" rtl="0" eaLnBrk="1" latinLnBrk="0" hangingPunct="1">
+              <a:lnSpc>
+                <a:spcPct val="90000"/>
+              </a:lnSpc>
+              <a:spcBef>
+                <a:spcPts val="500"/>
+              </a:spcBef>
+              <a:buFont typeface="Arial" panose="020B0604020202020204" pitchFamily="34" charset="0"/>
+              <a:buChar char="•"/>
+              <a:defRPr sz="1800" kern="1200">
+                <a:solidFill>
+                  <a:schemeClr val="tx1"/>
+                </a:solidFill>
+                <a:latin typeface="+mn-lt"/>
+                <a:ea typeface="+mn-ea"/>
+                <a:cs typeface="+mn-cs"/>
+              </a:defRPr>
+            </a:lvl6pPr>
+            <a:lvl7pPr marL="2971800" indent="-228600" algn="l" defTabSz="914400" rtl="0" eaLnBrk="1" latinLnBrk="0" hangingPunct="1">
+              <a:lnSpc>
+                <a:spcPct val="90000"/>
+              </a:lnSpc>
+              <a:spcBef>
+                <a:spcPts val="500"/>
+              </a:spcBef>
+              <a:buFont typeface="Arial" panose="020B0604020202020204" pitchFamily="34" charset="0"/>
+              <a:buChar char="•"/>
+              <a:defRPr sz="1800" kern="1200">
+                <a:solidFill>
+                  <a:schemeClr val="tx1"/>
+                </a:solidFill>
+                <a:latin typeface="+mn-lt"/>
+                <a:ea typeface="+mn-ea"/>
+                <a:cs typeface="+mn-cs"/>
+              </a:defRPr>
+            </a:lvl7pPr>
+            <a:lvl8pPr marL="3429000" indent="-228600" algn="l" defTabSz="914400" rtl="0" eaLnBrk="1" latinLnBrk="0" hangingPunct="1">
+              <a:lnSpc>
+                <a:spcPct val="90000"/>
+              </a:lnSpc>
+              <a:spcBef>
+                <a:spcPts val="500"/>
+              </a:spcBef>
+              <a:buFont typeface="Arial" panose="020B0604020202020204" pitchFamily="34" charset="0"/>
+              <a:buChar char="•"/>
+              <a:defRPr sz="1800" kern="1200">
+                <a:solidFill>
+                  <a:schemeClr val="tx1"/>
+                </a:solidFill>
+                <a:latin typeface="+mn-lt"/>
+                <a:ea typeface="+mn-ea"/>
+                <a:cs typeface="+mn-cs"/>
+              </a:defRPr>
+            </a:lvl8pPr>
+            <a:lvl9pPr marL="3886200" indent="-228600" algn="l" defTabSz="914400" rtl="0" eaLnBrk="1" latinLnBrk="0" hangingPunct="1">
+              <a:lnSpc>
+                <a:spcPct val="90000"/>
+              </a:lnSpc>
+              <a:spcBef>
+                <a:spcPts val="500"/>
+              </a:spcBef>
+              <a:buFont typeface="Arial" panose="020B0604020202020204" pitchFamily="34" charset="0"/>
+              <a:buChar char="•"/>
+              <a:defRPr sz="1800" kern="1200">
+                <a:solidFill>
+                  <a:schemeClr val="tx1"/>
+                </a:solidFill>
+                <a:latin typeface="+mn-lt"/>
+                <a:ea typeface="+mn-ea"/>
+                <a:cs typeface="+mn-cs"/>
+              </a:defRPr>
+            </a:lvl9pPr>
+          </a:lstStyle>
+          <a:p>
+            <a:pPr>
+              <a:buClr>
+                <a:schemeClr val="tx1"/>
+              </a:buClr>
+            </a:pPr>
+            <a:r>
+              <a:rPr lang="en-US" sz="3200" dirty="0">
+                <a:solidFill>
+                  <a:srgbClr val="00B050"/>
+                </a:solidFill>
+              </a:rPr>
+              <a:t>Mobile Data Analytics</a:t>
+            </a:r>
+            <a:r>
+              <a:rPr lang="en-US" sz="3200" dirty="0"/>
+              <a:t>: LDP can be applied to data collected from mobile devices to allow analysis of aggregate movement patterns and trends without compromising the privacy of individual users</a:t>
+            </a:r>
+          </a:p>
+          <a:p>
+            <a:pPr lvl="1">
+              <a:buClr>
+                <a:schemeClr val="tx1"/>
+              </a:buClr>
+            </a:pPr>
+            <a:r>
+              <a:rPr lang="en-US" sz="3200" dirty="0">
+                <a:solidFill>
+                  <a:schemeClr val="accent1"/>
+                </a:solidFill>
+              </a:rPr>
+              <a:t>Location-based services</a:t>
+            </a:r>
+          </a:p>
+          <a:p>
+            <a:pPr lvl="1">
+              <a:buClr>
+                <a:schemeClr val="tx1"/>
+              </a:buClr>
+            </a:pPr>
+            <a:r>
+              <a:rPr lang="en-US" sz="3200" dirty="0">
+                <a:solidFill>
+                  <a:schemeClr val="accent1"/>
+                </a:solidFill>
+              </a:rPr>
+              <a:t>User behavior analysis</a:t>
+            </a:r>
+          </a:p>
+        </p:txBody>
+      </p:sp>
+    </p:spTree>
+    <p:extLst>
+      <p:ext uri="{BB962C8B-B14F-4D97-AF65-F5344CB8AC3E}">
+        <p14:creationId xmlns:p14="http://schemas.microsoft.com/office/powerpoint/2010/main" val="3618611397"/>
+      </p:ext>
+    </p:extLst>
+  </p:cSld>
+  <p:clrMapOvr>
+    <a:masterClrMapping/>
+  </p:clrMapOvr>
+</p:sld>
+</file>
+
+<file path=ppt/slides/slide2.xml><?xml version="1.0" encoding="utf-8"?>
+<p:sld xmlns:a="http://schemas.openxmlformats.org/drawingml/2006/main" xmlns:r="http://schemas.openxmlformats.org/officeDocument/2006/relationships" xmlns:p="http://schemas.openxmlformats.org/presentationml/2006/main">
+  <p:cSld>
+    <p:spTree>
+      <p:nvGrpSpPr>
+        <p:cNvPr id="1" name=""/>
+        <p:cNvGrpSpPr/>
+        <p:nvPr/>
+      </p:nvGrpSpPr>
+      <p:grpSpPr>
+        <a:xfrm>
+          <a:off x="0" y="0"/>
+          <a:ext cx="0" cy="0"/>
+          <a:chOff x="0" y="0"/>
+          <a:chExt cx="0" cy="0"/>
+        </a:xfrm>
+      </p:grpSpPr>
+      <p:sp>
+        <p:nvSpPr>
+          <p:cNvPr id="2" name="Title 1">
+            <a:extLst>
+              <a:ext uri="{FF2B5EF4-FFF2-40B4-BE49-F238E27FC236}">
+                <a16:creationId xmlns:a16="http://schemas.microsoft.com/office/drawing/2014/main" id="{FCA5AC62-A5FD-2A5B-018F-859A378AA1D4}"/>
+              </a:ext>
+            </a:extLst>
+          </p:cNvPr>
+          <p:cNvSpPr>
+            <a:spLocks noGrp="1"/>
+          </p:cNvSpPr>
+          <p:nvPr>
+            <p:ph type="title"/>
+          </p:nvPr>
+        </p:nvSpPr>
+        <p:spPr>
+          <a:xfrm>
+            <a:off x="838199" y="365125"/>
+            <a:ext cx="10780059" cy="1325563"/>
+          </a:xfrm>
+        </p:spPr>
+        <p:txBody>
+          <a:bodyPr/>
+          <a:lstStyle/>
+          <a:p>
+            <a:r>
+              <a:rPr lang="en-US" dirty="0">
+                <a:solidFill>
+                  <a:srgbClr val="C00000"/>
+                </a:solidFill>
+              </a:rPr>
+              <a:t>Presentation Schedule</a:t>
+            </a:r>
+          </a:p>
+        </p:txBody>
+      </p:sp>
+      <p:sp>
+        <p:nvSpPr>
+          <p:cNvPr id="3" name="Content Placeholder 2">
+            <a:extLst>
+              <a:ext uri="{FF2B5EF4-FFF2-40B4-BE49-F238E27FC236}">
+                <a16:creationId xmlns:a16="http://schemas.microsoft.com/office/drawing/2014/main" id="{76F2126B-4AA6-302B-7E5A-170FFAAB8BD1}"/>
+              </a:ext>
+            </a:extLst>
+          </p:cNvPr>
+          <p:cNvSpPr>
+            <a:spLocks noGrp="1"/>
+          </p:cNvSpPr>
+          <p:nvPr>
+            <p:ph idx="1"/>
+          </p:nvPr>
+        </p:nvSpPr>
+        <p:spPr>
+          <a:xfrm>
+            <a:off x="838200" y="1825624"/>
+            <a:ext cx="10515600" cy="4422775"/>
+          </a:xfrm>
+        </p:spPr>
+        <p:txBody>
+          <a:bodyPr>
+            <a:normAutofit/>
+          </a:bodyPr>
+          <a:lstStyle/>
+          <a:p>
+            <a:pPr>
+              <a:buClr>
+                <a:schemeClr val="tx1"/>
+              </a:buClr>
+            </a:pPr>
+            <a:r>
+              <a:rPr lang="en-US" dirty="0">
+                <a:solidFill>
+                  <a:srgbClr val="00B050"/>
+                </a:solidFill>
+              </a:rPr>
+              <a:t>November 27</a:t>
+            </a:r>
+            <a:r>
+              <a:rPr lang="en-US" dirty="0"/>
+              <a:t>: </a:t>
+            </a:r>
+            <a:r>
+              <a:rPr lang="en-US" dirty="0" err="1"/>
+              <a:t>Chunkai</a:t>
+            </a:r>
+            <a:r>
+              <a:rPr lang="en-US" dirty="0"/>
+              <a:t>, Jung, Galaxy AI</a:t>
+            </a:r>
+          </a:p>
+          <a:p>
+            <a:pPr>
+              <a:buClr>
+                <a:schemeClr val="tx1"/>
+              </a:buClr>
+            </a:pPr>
+            <a:r>
+              <a:rPr lang="en-US" dirty="0">
+                <a:solidFill>
+                  <a:srgbClr val="00B050"/>
+                </a:solidFill>
+              </a:rPr>
+              <a:t>November 29</a:t>
+            </a:r>
+            <a:r>
+              <a:rPr lang="en-US" dirty="0"/>
+              <a:t>: STMI, Anmol, Jason</a:t>
+            </a:r>
+          </a:p>
+          <a:p>
+            <a:pPr>
+              <a:buClr>
+                <a:schemeClr val="tx1"/>
+              </a:buClr>
+            </a:pPr>
+            <a:r>
+              <a:rPr lang="en-US" dirty="0">
+                <a:solidFill>
+                  <a:srgbClr val="00B050"/>
+                </a:solidFill>
+              </a:rPr>
+              <a:t>December 1</a:t>
+            </a:r>
+            <a:r>
+              <a:rPr lang="en-US" dirty="0"/>
+              <a:t>: </a:t>
+            </a:r>
+            <a:r>
+              <a:rPr lang="en-US" dirty="0" err="1"/>
+              <a:t>Bokun</a:t>
+            </a:r>
+            <a:r>
+              <a:rPr lang="en-US" dirty="0"/>
+              <a:t>, Ayesha, </a:t>
+            </a:r>
+            <a:r>
+              <a:rPr lang="en-US" dirty="0" err="1"/>
+              <a:t>Dawei</a:t>
+            </a:r>
+            <a:r>
+              <a:rPr lang="en-US" dirty="0"/>
+              <a:t>, </a:t>
+            </a:r>
+            <a:r>
+              <a:rPr lang="en-US" dirty="0" err="1"/>
+              <a:t>Lipai</a:t>
+            </a:r>
+            <a:endParaRPr lang="en-US" dirty="0"/>
+          </a:p>
+        </p:txBody>
+      </p:sp>
+    </p:spTree>
+    <p:extLst>
+      <p:ext uri="{BB962C8B-B14F-4D97-AF65-F5344CB8AC3E}">
+        <p14:creationId xmlns:p14="http://schemas.microsoft.com/office/powerpoint/2010/main" val="3156464587"/>
+      </p:ext>
+    </p:extLst>
+  </p:cSld>
+  <p:clrMapOvr>
+    <a:masterClrMapping/>
+  </p:clrMapOvr>
+</p:sld>
+</file>
+
+<file path=ppt/slides/slide20.xml><?xml version="1.0" encoding="utf-8"?>
 <p:sld xmlns:a="http://schemas.openxmlformats.org/drawingml/2006/main" xmlns:r="http://schemas.openxmlformats.org/officeDocument/2006/relationships" xmlns:p="http://schemas.openxmlformats.org/presentationml/2006/main">
   <p:cSld>
     <p:spTree>
@@ -12439,8 +13338,8 @@
           </a:p>
         </p:txBody>
       </p:sp>
-      <mc:AlternateContent xmlns:mc="http://schemas.openxmlformats.org/markup-compatibility/2006">
-        <mc:Choice xmlns:a14="http://schemas.microsoft.com/office/drawing/2010/main" Requires="a14">
+      <mc:AlternateContent xmlns:mc="http://schemas.openxmlformats.org/markup-compatibility/2006" xmlns:a14="http://schemas.microsoft.com/office/drawing/2010/main">
+        <mc:Choice Requires="a14">
           <p:sp>
             <p:nvSpPr>
               <p:cNvPr id="28" name="TextBox 27">
@@ -12579,7 +13478,7 @@
             </p:txBody>
           </p:sp>
         </mc:Choice>
-        <mc:Fallback>
+        <mc:Fallback xmlns="">
           <p:sp>
             <p:nvSpPr>
               <p:cNvPr id="28" name="TextBox 27">
@@ -12624,8 +13523,8 @@
           </p:sp>
         </mc:Fallback>
       </mc:AlternateContent>
-      <mc:AlternateContent xmlns:mc="http://schemas.openxmlformats.org/markup-compatibility/2006">
-        <mc:Choice xmlns:a14="http://schemas.microsoft.com/office/drawing/2010/main" Requires="a14">
+      <mc:AlternateContent xmlns:mc="http://schemas.openxmlformats.org/markup-compatibility/2006" xmlns:a14="http://schemas.microsoft.com/office/drawing/2010/main">
+        <mc:Choice Requires="a14">
           <p:sp>
             <p:nvSpPr>
               <p:cNvPr id="29" name="TextBox 28">
@@ -12705,7 +13604,7 @@
             </p:txBody>
           </p:sp>
         </mc:Choice>
-        <mc:Fallback>
+        <mc:Fallback xmlns="">
           <p:sp>
             <p:nvSpPr>
               <p:cNvPr id="29" name="TextBox 28">
@@ -12750,8 +13649,8 @@
           </p:sp>
         </mc:Fallback>
       </mc:AlternateContent>
-      <mc:AlternateContent xmlns:mc="http://schemas.openxmlformats.org/markup-compatibility/2006">
-        <mc:Choice xmlns:a14="http://schemas.microsoft.com/office/drawing/2010/main" Requires="a14">
+      <mc:AlternateContent xmlns:mc="http://schemas.openxmlformats.org/markup-compatibility/2006" xmlns:a14="http://schemas.microsoft.com/office/drawing/2010/main">
+        <mc:Choice Requires="a14">
           <p:sp>
             <p:nvSpPr>
               <p:cNvPr id="30" name="TextBox 29">
@@ -12886,7 +13785,7 @@
             </p:txBody>
           </p:sp>
         </mc:Choice>
-        <mc:Fallback>
+        <mc:Fallback xmlns="">
           <p:sp>
             <p:nvSpPr>
               <p:cNvPr id="30" name="TextBox 29">
@@ -12931,8 +13830,8 @@
           </p:sp>
         </mc:Fallback>
       </mc:AlternateContent>
-      <mc:AlternateContent xmlns:mc="http://schemas.openxmlformats.org/markup-compatibility/2006">
-        <mc:Choice xmlns:a14="http://schemas.microsoft.com/office/drawing/2010/main" Requires="a14">
+      <mc:AlternateContent xmlns:mc="http://schemas.openxmlformats.org/markup-compatibility/2006" xmlns:a14="http://schemas.microsoft.com/office/drawing/2010/main">
+        <mc:Choice Requires="a14">
           <p:sp>
             <p:nvSpPr>
               <p:cNvPr id="32" name="TextBox 31">
@@ -12985,7 +13884,7 @@
             </p:txBody>
           </p:sp>
         </mc:Choice>
-        <mc:Fallback>
+        <mc:Fallback xmlns="">
           <p:sp>
             <p:nvSpPr>
               <p:cNvPr id="32" name="TextBox 31">
@@ -13030,8 +13929,8 @@
           </p:sp>
         </mc:Fallback>
       </mc:AlternateContent>
-      <mc:AlternateContent xmlns:mc="http://schemas.openxmlformats.org/markup-compatibility/2006">
-        <mc:Choice xmlns:a14="http://schemas.microsoft.com/office/drawing/2010/main" Requires="a14">
+      <mc:AlternateContent xmlns:mc="http://schemas.openxmlformats.org/markup-compatibility/2006" xmlns:a14="http://schemas.microsoft.com/office/drawing/2010/main">
+        <mc:Choice Requires="a14">
           <p:sp>
             <p:nvSpPr>
               <p:cNvPr id="33" name="TextBox 32">
@@ -13111,7 +14010,7 @@
             </p:txBody>
           </p:sp>
         </mc:Choice>
-        <mc:Fallback>
+        <mc:Fallback xmlns="">
           <p:sp>
             <p:nvSpPr>
               <p:cNvPr id="33" name="TextBox 32">
@@ -13169,189 +14068,7 @@
 </p:sld>
 </file>
 
-<file path=ppt/slides/slide2.xml><?xml version="1.0" encoding="utf-8"?>
-<p:sld xmlns:a="http://schemas.openxmlformats.org/drawingml/2006/main" xmlns:r="http://schemas.openxmlformats.org/officeDocument/2006/relationships" xmlns:p="http://schemas.openxmlformats.org/presentationml/2006/main">
-  <p:cSld>
-    <p:spTree>
-      <p:nvGrpSpPr>
-        <p:cNvPr id="1" name=""/>
-        <p:cNvGrpSpPr/>
-        <p:nvPr/>
-      </p:nvGrpSpPr>
-      <p:grpSpPr>
-        <a:xfrm>
-          <a:off x="0" y="0"/>
-          <a:ext cx="0" cy="0"/>
-          <a:chOff x="0" y="0"/>
-          <a:chExt cx="0" cy="0"/>
-        </a:xfrm>
-      </p:grpSpPr>
-      <p:sp>
-        <p:nvSpPr>
-          <p:cNvPr id="2" name="Title 1">
-            <a:extLst>
-              <a:ext uri="{FF2B5EF4-FFF2-40B4-BE49-F238E27FC236}">
-                <a16:creationId xmlns:a16="http://schemas.microsoft.com/office/drawing/2014/main" id="{FCA5AC62-A5FD-2A5B-018F-859A378AA1D4}"/>
-              </a:ext>
-            </a:extLst>
-          </p:cNvPr>
-          <p:cNvSpPr>
-            <a:spLocks noGrp="1"/>
-          </p:cNvSpPr>
-          <p:nvPr>
-            <p:ph type="title"/>
-          </p:nvPr>
-        </p:nvSpPr>
-        <p:spPr>
-          <a:xfrm>
-            <a:off x="838199" y="365125"/>
-            <a:ext cx="10780059" cy="1325563"/>
-          </a:xfrm>
-        </p:spPr>
-        <p:txBody>
-          <a:bodyPr/>
-          <a:lstStyle/>
-          <a:p>
-            <a:r>
-              <a:rPr lang="en-US" dirty="0">
-                <a:solidFill>
-                  <a:srgbClr val="C00000"/>
-                </a:solidFill>
-              </a:rPr>
-              <a:t>Presentation Schedule</a:t>
-            </a:r>
-          </a:p>
-        </p:txBody>
-      </p:sp>
-      <p:sp>
-        <p:nvSpPr>
-          <p:cNvPr id="3" name="Content Placeholder 2">
-            <a:extLst>
-              <a:ext uri="{FF2B5EF4-FFF2-40B4-BE49-F238E27FC236}">
-                <a16:creationId xmlns:a16="http://schemas.microsoft.com/office/drawing/2014/main" id="{76F2126B-4AA6-302B-7E5A-170FFAAB8BD1}"/>
-              </a:ext>
-            </a:extLst>
-          </p:cNvPr>
-          <p:cNvSpPr>
-            <a:spLocks noGrp="1"/>
-          </p:cNvSpPr>
-          <p:nvPr>
-            <p:ph idx="1"/>
-          </p:nvPr>
-        </p:nvSpPr>
-        <p:spPr>
-          <a:xfrm>
-            <a:off x="838200" y="1825624"/>
-            <a:ext cx="10515600" cy="4422775"/>
-          </a:xfrm>
-        </p:spPr>
-        <p:txBody>
-          <a:bodyPr>
-            <a:normAutofit/>
-          </a:bodyPr>
-          <a:lstStyle/>
-          <a:p>
-            <a:pPr>
-              <a:buClr>
-                <a:schemeClr val="tx1"/>
-              </a:buClr>
-            </a:pPr>
-            <a:r>
-              <a:rPr lang="en-US" dirty="0">
-                <a:solidFill>
-                  <a:srgbClr val="00B050"/>
-                </a:solidFill>
-              </a:rPr>
-              <a:t>November 27</a:t>
-            </a:r>
-            <a:r>
-              <a:rPr lang="en-US" dirty="0"/>
-              <a:t>: </a:t>
-            </a:r>
-            <a:r>
-              <a:rPr lang="en-US" dirty="0" err="1"/>
-              <a:t>Chunkai</a:t>
-            </a:r>
-            <a:r>
-              <a:rPr lang="en-US" dirty="0"/>
-              <a:t>, Jung, Galaxy AI</a:t>
-            </a:r>
-          </a:p>
-          <a:p>
-            <a:pPr>
-              <a:buClr>
-                <a:schemeClr val="tx1"/>
-              </a:buClr>
-            </a:pPr>
-            <a:r>
-              <a:rPr lang="en-US" dirty="0">
-                <a:solidFill>
-                  <a:srgbClr val="00B050"/>
-                </a:solidFill>
-              </a:rPr>
-              <a:t>November 29</a:t>
-            </a:r>
-            <a:r>
-              <a:rPr lang="en-US" dirty="0"/>
-              <a:t>: STMI, Anmol, Jason</a:t>
-            </a:r>
-          </a:p>
-          <a:p>
-            <a:pPr>
-              <a:buClr>
-                <a:schemeClr val="tx1"/>
-              </a:buClr>
-            </a:pPr>
-            <a:r>
-              <a:rPr lang="en-US" dirty="0">
-                <a:solidFill>
-                  <a:srgbClr val="00B050"/>
-                </a:solidFill>
-              </a:rPr>
-              <a:t>December 1</a:t>
-            </a:r>
-            <a:r>
-              <a:rPr lang="en-US" dirty="0"/>
-              <a:t>: </a:t>
-            </a:r>
-            <a:r>
-              <a:rPr lang="en-US" dirty="0" err="1"/>
-              <a:t>Bokun</a:t>
-            </a:r>
-            <a:r>
-              <a:rPr lang="en-US" dirty="0"/>
-              <a:t>, Ayesha, </a:t>
-            </a:r>
-            <a:r>
-              <a:rPr lang="en-US" dirty="0" err="1"/>
-              <a:t>Dawei</a:t>
-            </a:r>
-            <a:r>
-              <a:rPr lang="en-US" dirty="0"/>
-              <a:t>, </a:t>
-            </a:r>
-            <a:r>
-              <a:rPr lang="en-US" dirty="0" err="1"/>
-              <a:t>Lipai</a:t>
-            </a:r>
-            <a:endParaRPr lang="en-US" dirty="0"/>
-          </a:p>
-        </p:txBody>
-      </p:sp>
-    </p:spTree>
-    <p:extLst>
-      <p:ext uri="{BB962C8B-B14F-4D97-AF65-F5344CB8AC3E}">
-        <p14:creationId xmlns:p14="http://schemas.microsoft.com/office/powerpoint/2010/main" val="3156464587"/>
-      </p:ext>
-    </p:extLst>
-  </p:cSld>
-  <p:clrMapOvr>
-    <a:masterClrMapping/>
-  </p:clrMapOvr>
-</p:sld>
-</file>
-
-<file path=ppt/slides/slide20.xml><?xml version="1.0" encoding="utf-8"?>
+<file path=ppt/slides/slide21.xml><?xml version="1.0" encoding="utf-8"?>
 <p:sld xmlns:a="http://schemas.openxmlformats.org/drawingml/2006/main" xmlns:r="http://schemas.openxmlformats.org/officeDocument/2006/relationships" xmlns:p="http://schemas.openxmlformats.org/presentationml/2006/main">
   <p:cSld>
     <p:spTree>
@@ -13400,8 +14117,8 @@
           </a:p>
         </p:txBody>
       </p:sp>
-      <mc:AlternateContent xmlns:mc="http://schemas.openxmlformats.org/markup-compatibility/2006">
-        <mc:Choice xmlns:a14="http://schemas.microsoft.com/office/drawing/2010/main" Requires="a14">
+      <mc:AlternateContent xmlns:mc="http://schemas.openxmlformats.org/markup-compatibility/2006" xmlns:a14="http://schemas.microsoft.com/office/drawing/2010/main">
+        <mc:Choice Requires="a14">
           <p:sp>
             <p:nvSpPr>
               <p:cNvPr id="5" name="Content Placeholder 3">
@@ -13743,7 +14460,7 @@
                     <m:limLow>
                       <m:limLowPr>
                         <m:ctrlPr>
-                          <a:rPr lang="en-US" sz="3200" b="0" i="0" smtClean="0">
+                          <a:rPr lang="en-US" sz="3200" b="0" i="1" smtClean="0">
                             <a:solidFill>
                               <a:srgbClr val="C00000"/>
                             </a:solidFill>
@@ -13964,7 +14681,7 @@
             </p:txBody>
           </p:sp>
         </mc:Choice>
-        <mc:Fallback>
+        <mc:Fallback xmlns="">
           <p:sp>
             <p:nvSpPr>
               <p:cNvPr id="5" name="Content Placeholder 3">
@@ -14021,7 +14738,7 @@
 </p:sld>
 </file>
 
-<file path=ppt/slides/slide21.xml><?xml version="1.0" encoding="utf-8"?>
+<file path=ppt/slides/slide22.xml><?xml version="1.0" encoding="utf-8"?>
 <p:sld xmlns:a="http://schemas.openxmlformats.org/drawingml/2006/main" xmlns:r="http://schemas.openxmlformats.org/officeDocument/2006/relationships" xmlns:p="http://schemas.openxmlformats.org/presentationml/2006/main">
   <p:cSld>
     <p:spTree>
@@ -14065,13 +14782,484 @@
                   <a:srgbClr val="C00000"/>
                 </a:solidFill>
               </a:rPr>
-              <a:t>Laplace Mechanism</a:t>
+              <a:t>Sensitivity</a:t>
             </a:r>
           </a:p>
         </p:txBody>
       </p:sp>
       <mc:AlternateContent xmlns:mc="http://schemas.openxmlformats.org/markup-compatibility/2006">
         <mc:Choice xmlns:a14="http://schemas.microsoft.com/office/drawing/2010/main" Requires="a14">
+          <p:sp>
+            <p:nvSpPr>
+              <p:cNvPr id="5" name="Content Placeholder 3">
+                <a:extLst>
+                  <a:ext uri="{FF2B5EF4-FFF2-40B4-BE49-F238E27FC236}">
+                    <a16:creationId xmlns:a16="http://schemas.microsoft.com/office/drawing/2014/main" id="{46EDD9D9-1338-4BC5-9D28-964A84C143C2}"/>
+                  </a:ext>
+                </a:extLst>
+              </p:cNvPr>
+              <p:cNvSpPr>
+                <a:spLocks noGrp="1"/>
+              </p:cNvSpPr>
+              <p:nvPr>
+                <p:ph idx="1"/>
+              </p:nvPr>
+            </p:nvSpPr>
+            <p:spPr>
+              <a:xfrm>
+                <a:off x="838200" y="1825624"/>
+                <a:ext cx="10242755" cy="4342094"/>
+              </a:xfrm>
+            </p:spPr>
+            <p:txBody>
+              <a:bodyPr>
+                <a:noAutofit/>
+              </a:bodyPr>
+              <a:lstStyle/>
+              <a:p>
+                <a:pPr>
+                  <a:buClr>
+                    <a:schemeClr val="tx1"/>
+                  </a:buClr>
+                </a:pPr>
+                <a:r>
+                  <a:rPr lang="en-US" sz="3200" dirty="0">
+                    <a:solidFill>
+                      <a:srgbClr val="00B050"/>
+                    </a:solidFill>
+                  </a:rPr>
+                  <a:t>Sensitivity</a:t>
+                </a:r>
+                <a:r>
+                  <a:rPr lang="en-US" sz="3200" dirty="0"/>
+                  <a:t>: </a:t>
+                </a:r>
+                <a14:m>
+                  <m:oMath xmlns:m="http://schemas.openxmlformats.org/officeDocument/2006/math">
+                    <m:sSub>
+                      <m:sSubPr>
+                        <m:ctrlPr>
+                          <a:rPr lang="en-US" sz="3200" b="0" i="1" smtClean="0">
+                            <a:solidFill>
+                              <a:srgbClr val="C00000"/>
+                            </a:solidFill>
+                            <a:latin typeface="Cambria Math" panose="02040503050406030204" pitchFamily="18" charset="0"/>
+                          </a:rPr>
+                        </m:ctrlPr>
+                      </m:sSubPr>
+                      <m:e>
+                        <m:r>
+                          <a:rPr lang="en-US" sz="3200" b="0" i="1" smtClean="0">
+                            <a:solidFill>
+                              <a:srgbClr val="C00000"/>
+                            </a:solidFill>
+                            <a:latin typeface="Cambria Math" panose="02040503050406030204" pitchFamily="18" charset="0"/>
+                          </a:rPr>
+                          <m:t>𝜎</m:t>
+                        </m:r>
+                      </m:e>
+                      <m:sub>
+                        <m:r>
+                          <a:rPr lang="en-US" sz="3200" b="0" i="1" smtClean="0">
+                            <a:solidFill>
+                              <a:srgbClr val="C00000"/>
+                            </a:solidFill>
+                            <a:latin typeface="Cambria Math" panose="02040503050406030204" pitchFamily="18" charset="0"/>
+                          </a:rPr>
+                          <m:t>𝑓</m:t>
+                        </m:r>
+                      </m:sub>
+                    </m:sSub>
+                    <m:r>
+                      <a:rPr lang="en-US" sz="3200" b="0" i="1" smtClean="0">
+                        <a:solidFill>
+                          <a:srgbClr val="C00000"/>
+                        </a:solidFill>
+                        <a:latin typeface="Cambria Math" panose="02040503050406030204" pitchFamily="18" charset="0"/>
+                      </a:rPr>
+                      <m:t>=</m:t>
+                    </m:r>
+                    <m:limLow>
+                      <m:limLowPr>
+                        <m:ctrlPr>
+                          <a:rPr lang="en-US" sz="3200" b="0" i="1" smtClean="0">
+                            <a:solidFill>
+                              <a:srgbClr val="C00000"/>
+                            </a:solidFill>
+                            <a:latin typeface="Cambria Math" panose="02040503050406030204" pitchFamily="18" charset="0"/>
+                          </a:rPr>
+                        </m:ctrlPr>
+                      </m:limLowPr>
+                      <m:e>
+                        <m:r>
+                          <m:rPr>
+                            <m:sty m:val="p"/>
+                          </m:rPr>
+                          <a:rPr lang="en-US" sz="3200" b="0" i="0" smtClean="0">
+                            <a:solidFill>
+                              <a:srgbClr val="C00000"/>
+                            </a:solidFill>
+                            <a:latin typeface="Cambria Math" panose="02040503050406030204" pitchFamily="18" charset="0"/>
+                          </a:rPr>
+                          <m:t>max</m:t>
+                        </m:r>
+                      </m:e>
+                      <m:lim>
+                        <m:r>
+                          <m:rPr>
+                            <m:sty m:val="p"/>
+                          </m:rPr>
+                          <a:rPr lang="en-US" sz="3200" b="0" i="0" smtClean="0">
+                            <a:solidFill>
+                              <a:srgbClr val="C00000"/>
+                            </a:solidFill>
+                            <a:latin typeface="Cambria Math" panose="02040503050406030204" pitchFamily="18" charset="0"/>
+                          </a:rPr>
+                          <m:t>neighbor</m:t>
+                        </m:r>
+                        <m:r>
+                          <a:rPr lang="en-US" sz="3200" b="0" i="1" smtClean="0">
+                            <a:solidFill>
+                              <a:srgbClr val="C00000"/>
+                            </a:solidFill>
+                            <a:latin typeface="Cambria Math" panose="02040503050406030204" pitchFamily="18" charset="0"/>
+                          </a:rPr>
+                          <m:t>𝑠</m:t>
+                        </m:r>
+                        <m:r>
+                          <a:rPr lang="en-US" sz="3200" b="0" i="1" smtClean="0">
+                            <a:solidFill>
+                              <a:srgbClr val="C00000"/>
+                            </a:solidFill>
+                            <a:latin typeface="Cambria Math" panose="02040503050406030204" pitchFamily="18" charset="0"/>
+                          </a:rPr>
+                          <m:t> </m:t>
+                        </m:r>
+                        <m:r>
+                          <a:rPr lang="en-US" sz="3200" b="0" i="1" smtClean="0">
+                            <a:solidFill>
+                              <a:srgbClr val="C00000"/>
+                            </a:solidFill>
+                            <a:latin typeface="Cambria Math" panose="02040503050406030204" pitchFamily="18" charset="0"/>
+                          </a:rPr>
+                          <m:t>𝑥</m:t>
+                        </m:r>
+                        <m:r>
+                          <a:rPr lang="en-US" sz="3200" b="0" i="0" smtClean="0">
+                            <a:solidFill>
+                              <a:srgbClr val="C00000"/>
+                            </a:solidFill>
+                            <a:latin typeface="Cambria Math" panose="02040503050406030204" pitchFamily="18" charset="0"/>
+                          </a:rPr>
+                          <m:t>,</m:t>
+                        </m:r>
+                        <m:r>
+                          <a:rPr lang="en-US" sz="3200" b="0" i="1" smtClean="0">
+                            <a:solidFill>
+                              <a:srgbClr val="C00000"/>
+                            </a:solidFill>
+                            <a:latin typeface="Cambria Math" panose="02040503050406030204" pitchFamily="18" charset="0"/>
+                          </a:rPr>
+                          <m:t>𝑥</m:t>
+                        </m:r>
+                        <m:r>
+                          <a:rPr lang="en-US" sz="3200" b="0" i="0" smtClean="0">
+                            <a:solidFill>
+                              <a:srgbClr val="C00000"/>
+                            </a:solidFill>
+                            <a:latin typeface="Cambria Math" panose="02040503050406030204" pitchFamily="18" charset="0"/>
+                          </a:rPr>
+                          <m:t>′</m:t>
+                        </m:r>
+                      </m:lim>
+                    </m:limLow>
+                    <m:sSub>
+                      <m:sSubPr>
+                        <m:ctrlPr>
+                          <a:rPr lang="en-US" sz="3200" b="0" i="1" smtClean="0">
+                            <a:solidFill>
+                              <a:srgbClr val="C00000"/>
+                            </a:solidFill>
+                            <a:latin typeface="Cambria Math" panose="02040503050406030204" pitchFamily="18" charset="0"/>
+                          </a:rPr>
+                        </m:ctrlPr>
+                      </m:sSubPr>
+                      <m:e>
+                        <m:d>
+                          <m:dPr>
+                            <m:begChr m:val="‖"/>
+                            <m:endChr m:val="‖"/>
+                            <m:ctrlPr>
+                              <a:rPr lang="en-US" sz="3200" b="0" i="1" smtClean="0">
+                                <a:solidFill>
+                                  <a:srgbClr val="C00000"/>
+                                </a:solidFill>
+                                <a:latin typeface="Cambria Math" panose="02040503050406030204" pitchFamily="18" charset="0"/>
+                              </a:rPr>
+                            </m:ctrlPr>
+                          </m:dPr>
+                          <m:e>
+                            <m:r>
+                              <a:rPr lang="en-US" sz="3200" b="0" i="1" smtClean="0">
+                                <a:solidFill>
+                                  <a:srgbClr val="C00000"/>
+                                </a:solidFill>
+                                <a:latin typeface="Cambria Math" panose="02040503050406030204" pitchFamily="18" charset="0"/>
+                              </a:rPr>
+                              <m:t>𝑓</m:t>
+                            </m:r>
+                            <m:d>
+                              <m:dPr>
+                                <m:ctrlPr>
+                                  <a:rPr lang="en-US" sz="3200" b="0" i="1" smtClean="0">
+                                    <a:solidFill>
+                                      <a:srgbClr val="C00000"/>
+                                    </a:solidFill>
+                                    <a:latin typeface="Cambria Math" panose="02040503050406030204" pitchFamily="18" charset="0"/>
+                                  </a:rPr>
+                                </m:ctrlPr>
+                              </m:dPr>
+                              <m:e>
+                                <m:r>
+                                  <a:rPr lang="en-US" sz="3200" b="0" i="1" smtClean="0">
+                                    <a:solidFill>
+                                      <a:srgbClr val="C00000"/>
+                                    </a:solidFill>
+                                    <a:latin typeface="Cambria Math" panose="02040503050406030204" pitchFamily="18" charset="0"/>
+                                  </a:rPr>
+                                  <m:t>𝑥</m:t>
+                                </m:r>
+                              </m:e>
+                            </m:d>
+                            <m:r>
+                              <a:rPr lang="en-US" sz="3200" b="0" i="1" smtClean="0">
+                                <a:solidFill>
+                                  <a:srgbClr val="C00000"/>
+                                </a:solidFill>
+                                <a:latin typeface="Cambria Math" panose="02040503050406030204" pitchFamily="18" charset="0"/>
+                              </a:rPr>
+                              <m:t>−</m:t>
+                            </m:r>
+                            <m:r>
+                              <a:rPr lang="en-US" sz="3200" b="0" i="1" smtClean="0">
+                                <a:solidFill>
+                                  <a:srgbClr val="C00000"/>
+                                </a:solidFill>
+                                <a:latin typeface="Cambria Math" panose="02040503050406030204" pitchFamily="18" charset="0"/>
+                              </a:rPr>
+                              <m:t>𝑓</m:t>
+                            </m:r>
+                            <m:d>
+                              <m:dPr>
+                                <m:ctrlPr>
+                                  <a:rPr lang="en-US" sz="3200" b="0" i="1" smtClean="0">
+                                    <a:solidFill>
+                                      <a:srgbClr val="C00000"/>
+                                    </a:solidFill>
+                                    <a:latin typeface="Cambria Math" panose="02040503050406030204" pitchFamily="18" charset="0"/>
+                                  </a:rPr>
+                                </m:ctrlPr>
+                              </m:dPr>
+                              <m:e>
+                                <m:r>
+                                  <a:rPr lang="en-US" sz="3200" b="0" i="1" smtClean="0">
+                                    <a:solidFill>
+                                      <a:srgbClr val="C00000"/>
+                                    </a:solidFill>
+                                    <a:latin typeface="Cambria Math" panose="02040503050406030204" pitchFamily="18" charset="0"/>
+                                  </a:rPr>
+                                  <m:t>𝑥</m:t>
+                                </m:r>
+                                <m:r>
+                                  <a:rPr lang="en-US" sz="3200" b="0" i="1" smtClean="0">
+                                    <a:solidFill>
+                                      <a:srgbClr val="C00000"/>
+                                    </a:solidFill>
+                                    <a:latin typeface="Cambria Math" panose="02040503050406030204" pitchFamily="18" charset="0"/>
+                                  </a:rPr>
+                                  <m:t>′</m:t>
+                                </m:r>
+                              </m:e>
+                            </m:d>
+                          </m:e>
+                        </m:d>
+                      </m:e>
+                      <m:sub>
+                        <m:r>
+                          <a:rPr lang="en-US" sz="3200" b="0" i="1" smtClean="0">
+                            <a:solidFill>
+                              <a:srgbClr val="C00000"/>
+                            </a:solidFill>
+                            <a:latin typeface="Cambria Math" panose="02040503050406030204" pitchFamily="18" charset="0"/>
+                          </a:rPr>
+                          <m:t>1</m:t>
+                        </m:r>
+                      </m:sub>
+                    </m:sSub>
+                  </m:oMath>
+                </a14:m>
+                <a:endParaRPr lang="en-US" sz="3200" dirty="0"/>
+              </a:p>
+              <a:p>
+                <a:pPr>
+                  <a:buClr>
+                    <a:schemeClr val="tx1"/>
+                  </a:buClr>
+                </a:pPr>
+                <a:endParaRPr lang="en-US" sz="3200" dirty="0"/>
+              </a:p>
+              <a:p>
+                <a:pPr>
+                  <a:buClr>
+                    <a:schemeClr val="tx1"/>
+                  </a:buClr>
+                </a:pPr>
+                <a:r>
+                  <a:rPr lang="en-US" sz="3200" dirty="0"/>
+                  <a:t>Suppose a study is conducted that measures the height of individuals, ranging from 1 to 300 centimeters</a:t>
+                </a:r>
+              </a:p>
+              <a:p>
+                <a:pPr>
+                  <a:buClr>
+                    <a:schemeClr val="tx1"/>
+                  </a:buClr>
+                </a:pPr>
+                <a:endParaRPr lang="en-US" sz="3200" dirty="0"/>
+              </a:p>
+              <a:p>
+                <a:pPr>
+                  <a:buClr>
+                    <a:schemeClr val="tx1"/>
+                  </a:buClr>
+                </a:pPr>
+                <a:r>
+                  <a:rPr lang="en-US" sz="3200" dirty="0"/>
+                  <a:t>What is the sensitivity of the maximum height query?</a:t>
+                </a:r>
+              </a:p>
+              <a:p>
+                <a:pPr>
+                  <a:buClr>
+                    <a:schemeClr val="tx1"/>
+                  </a:buClr>
+                </a:pPr>
+                <a:r>
+                  <a:rPr lang="en-US" sz="3200" dirty="0"/>
+                  <a:t>What is the sensitivity of the average height query?</a:t>
+                </a:r>
+              </a:p>
+            </p:txBody>
+          </p:sp>
+        </mc:Choice>
+        <mc:Fallback>
+          <p:sp>
+            <p:nvSpPr>
+              <p:cNvPr id="5" name="Content Placeholder 3">
+                <a:extLst>
+                  <a:ext uri="{FF2B5EF4-FFF2-40B4-BE49-F238E27FC236}">
+                    <a16:creationId xmlns:a16="http://schemas.microsoft.com/office/drawing/2014/main" id="{46EDD9D9-1338-4BC5-9D28-964A84C143C2}"/>
+                  </a:ext>
+                </a:extLst>
+              </p:cNvPr>
+              <p:cNvSpPr>
+                <a:spLocks noGrp="1" noRot="1" noChangeAspect="1" noMove="1" noResize="1" noEditPoints="1" noAdjustHandles="1" noChangeArrowheads="1" noChangeShapeType="1" noTextEdit="1"/>
+              </p:cNvSpPr>
+              <p:nvPr>
+                <p:ph idx="1"/>
+              </p:nvPr>
+            </p:nvSpPr>
+            <p:spPr>
+              <a:xfrm>
+                <a:off x="838200" y="1825624"/>
+                <a:ext cx="10242755" cy="4342094"/>
+              </a:xfrm>
+              <a:blipFill>
+                <a:blip r:embed="rId3"/>
+                <a:stretch>
+                  <a:fillRect l="-1369" t="-2805"/>
+                </a:stretch>
+              </a:blipFill>
+            </p:spPr>
+            <p:txBody>
+              <a:bodyPr/>
+              <a:lstStyle/>
+              <a:p>
+                <a:r>
+                  <a:rPr lang="en-US">
+                    <a:noFill/>
+                  </a:rPr>
+                  <a:t> </a:t>
+                </a:r>
+              </a:p>
+            </p:txBody>
+          </p:sp>
+        </mc:Fallback>
+      </mc:AlternateContent>
+    </p:spTree>
+    <p:extLst>
+      <p:ext uri="{BB962C8B-B14F-4D97-AF65-F5344CB8AC3E}">
+        <p14:creationId xmlns:p14="http://schemas.microsoft.com/office/powerpoint/2010/main" val="3101636795"/>
+      </p:ext>
+    </p:extLst>
+  </p:cSld>
+  <p:clrMapOvr>
+    <a:masterClrMapping/>
+  </p:clrMapOvr>
+</p:sld>
+</file>
+
+<file path=ppt/slides/slide23.xml><?xml version="1.0" encoding="utf-8"?>
+<p:sld xmlns:a="http://schemas.openxmlformats.org/drawingml/2006/main" xmlns:r="http://schemas.openxmlformats.org/officeDocument/2006/relationships" xmlns:p="http://schemas.openxmlformats.org/presentationml/2006/main">
+  <p:cSld>
+    <p:spTree>
+      <p:nvGrpSpPr>
+        <p:cNvPr id="1" name=""/>
+        <p:cNvGrpSpPr/>
+        <p:nvPr/>
+      </p:nvGrpSpPr>
+      <p:grpSpPr>
+        <a:xfrm>
+          <a:off x="0" y="0"/>
+          <a:ext cx="0" cy="0"/>
+          <a:chOff x="0" y="0"/>
+          <a:chExt cx="0" cy="0"/>
+        </a:xfrm>
+      </p:grpSpPr>
+      <p:sp>
+        <p:nvSpPr>
+          <p:cNvPr id="2" name="Title 1">
+            <a:extLst>
+              <a:ext uri="{FF2B5EF4-FFF2-40B4-BE49-F238E27FC236}">
+                <a16:creationId xmlns:a16="http://schemas.microsoft.com/office/drawing/2014/main" id="{B17419AC-DCE6-4371-8DE2-D617E99D653D}"/>
+              </a:ext>
+            </a:extLst>
+          </p:cNvPr>
+          <p:cNvSpPr>
+            <a:spLocks noGrp="1"/>
+          </p:cNvSpPr>
+          <p:nvPr>
+            <p:ph type="title"/>
+          </p:nvPr>
+        </p:nvSpPr>
+        <p:spPr/>
+        <p:txBody>
+          <a:bodyPr/>
+          <a:lstStyle/>
+          <a:p>
+            <a:r>
+              <a:rPr lang="en-US" dirty="0">
+                <a:solidFill>
+                  <a:srgbClr val="C00000"/>
+                </a:solidFill>
+              </a:rPr>
+              <a:t>Laplace Mechanism</a:t>
+            </a:r>
+          </a:p>
+        </p:txBody>
+      </p:sp>
+      <mc:AlternateContent xmlns:mc="http://schemas.openxmlformats.org/markup-compatibility/2006" xmlns:a14="http://schemas.microsoft.com/office/drawing/2010/main">
+        <mc:Choice Requires="a14">
           <p:sp>
             <p:nvSpPr>
               <p:cNvPr id="5" name="Content Placeholder 3">
@@ -14250,7 +15438,7 @@
                     <m:d>
                       <m:dPr>
                         <m:ctrlPr>
-                          <a:rPr lang="en-US" sz="3200" b="0" i="0" smtClean="0">
+                          <a:rPr lang="en-US" sz="3200" b="0" i="1" smtClean="0">
                             <a:solidFill>
                               <a:srgbClr val="C00000"/>
                             </a:solidFill>
@@ -14721,7 +15909,7 @@
             </p:txBody>
           </p:sp>
         </mc:Choice>
-        <mc:Fallback>
+        <mc:Fallback xmlns="">
           <p:sp>
             <p:nvSpPr>
               <p:cNvPr id="5" name="Content Placeholder 3">
@@ -14814,7 +16002,7 @@
 </p:sld>
 </file>
 
-<file path=ppt/slides/slide22.xml><?xml version="1.0" encoding="utf-8"?>
+<file path=ppt/slides/slide24.xml><?xml version="1.0" encoding="utf-8"?>
 <p:sld xmlns:a="http://schemas.openxmlformats.org/drawingml/2006/main" xmlns:r="http://schemas.openxmlformats.org/officeDocument/2006/relationships" xmlns:p="http://schemas.openxmlformats.org/presentationml/2006/main">
   <p:cSld>
     <p:spTree>
@@ -14863,8 +16051,164 @@
           </a:p>
         </p:txBody>
       </p:sp>
-      <mc:AlternateContent xmlns:mc="http://schemas.openxmlformats.org/markup-compatibility/2006">
-        <mc:Choice xmlns:a14="http://schemas.microsoft.com/office/drawing/2010/main" Requires="a14">
+      <p:sp>
+        <p:nvSpPr>
+          <p:cNvPr id="5" name="Content Placeholder 3">
+            <a:extLst>
+              <a:ext uri="{FF2B5EF4-FFF2-40B4-BE49-F238E27FC236}">
+                <a16:creationId xmlns:a16="http://schemas.microsoft.com/office/drawing/2014/main" id="{46EDD9D9-1338-4BC5-9D28-964A84C143C2}"/>
+              </a:ext>
+            </a:extLst>
+          </p:cNvPr>
+          <p:cNvSpPr>
+            <a:spLocks noGrp="1"/>
+          </p:cNvSpPr>
+          <p:nvPr>
+            <p:ph idx="1"/>
+          </p:nvPr>
+        </p:nvSpPr>
+        <p:spPr>
+          <a:xfrm>
+            <a:off x="838200" y="1825624"/>
+            <a:ext cx="10242755" cy="4342094"/>
+          </a:xfrm>
+        </p:spPr>
+        <p:txBody>
+          <a:bodyPr>
+            <a:noAutofit/>
+          </a:bodyPr>
+          <a:lstStyle/>
+          <a:p>
+            <a:pPr>
+              <a:buClr>
+                <a:schemeClr val="tx1"/>
+              </a:buClr>
+            </a:pPr>
+            <a:r>
+              <a:rPr lang="en-US" sz="3200" dirty="0">
+                <a:solidFill>
+                  <a:srgbClr val="00B050"/>
+                </a:solidFill>
+              </a:rPr>
+              <a:t>What does the Laplace mechanism do in the following cases?</a:t>
+            </a:r>
+            <a:endParaRPr lang="en-US" sz="3200" dirty="0"/>
+          </a:p>
+          <a:p>
+            <a:pPr>
+              <a:buClr>
+                <a:schemeClr val="tx1"/>
+              </a:buClr>
+            </a:pPr>
+            <a:endParaRPr lang="en-US" sz="3200" dirty="0"/>
+          </a:p>
+          <a:p>
+            <a:pPr>
+              <a:buClr>
+                <a:schemeClr val="tx1"/>
+              </a:buClr>
+            </a:pPr>
+            <a:r>
+              <a:rPr lang="en-US" sz="3200" dirty="0"/>
+              <a:t>Suppose a study is conducted that measures the height of individuals, ranging from 1 to 300 centimeters</a:t>
+            </a:r>
+          </a:p>
+          <a:p>
+            <a:pPr>
+              <a:buClr>
+                <a:schemeClr val="tx1"/>
+              </a:buClr>
+            </a:pPr>
+            <a:endParaRPr lang="en-US" sz="3200" dirty="0"/>
+          </a:p>
+          <a:p>
+            <a:pPr>
+              <a:buClr>
+                <a:schemeClr val="tx1"/>
+              </a:buClr>
+            </a:pPr>
+            <a:r>
+              <a:rPr lang="en-US" sz="3200" dirty="0"/>
+              <a:t>What is the sensitivity of the maximum height query?</a:t>
+            </a:r>
+          </a:p>
+          <a:p>
+            <a:pPr>
+              <a:buClr>
+                <a:schemeClr val="tx1"/>
+              </a:buClr>
+            </a:pPr>
+            <a:r>
+              <a:rPr lang="en-US" sz="3200" dirty="0"/>
+              <a:t>What is the sensitivity of the average height query?</a:t>
+            </a:r>
+          </a:p>
+        </p:txBody>
+      </p:sp>
+    </p:spTree>
+    <p:extLst>
+      <p:ext uri="{BB962C8B-B14F-4D97-AF65-F5344CB8AC3E}">
+        <p14:creationId xmlns:p14="http://schemas.microsoft.com/office/powerpoint/2010/main" val="2830771986"/>
+      </p:ext>
+    </p:extLst>
+  </p:cSld>
+  <p:clrMapOvr>
+    <a:masterClrMapping/>
+  </p:clrMapOvr>
+</p:sld>
+</file>
+
+<file path=ppt/slides/slide25.xml><?xml version="1.0" encoding="utf-8"?>
+<p:sld xmlns:a="http://schemas.openxmlformats.org/drawingml/2006/main" xmlns:r="http://schemas.openxmlformats.org/officeDocument/2006/relationships" xmlns:p="http://schemas.openxmlformats.org/presentationml/2006/main">
+  <p:cSld>
+    <p:spTree>
+      <p:nvGrpSpPr>
+        <p:cNvPr id="1" name=""/>
+        <p:cNvGrpSpPr/>
+        <p:nvPr/>
+      </p:nvGrpSpPr>
+      <p:grpSpPr>
+        <a:xfrm>
+          <a:off x="0" y="0"/>
+          <a:ext cx="0" cy="0"/>
+          <a:chOff x="0" y="0"/>
+          <a:chExt cx="0" cy="0"/>
+        </a:xfrm>
+      </p:grpSpPr>
+      <p:sp>
+        <p:nvSpPr>
+          <p:cNvPr id="2" name="Title 1">
+            <a:extLst>
+              <a:ext uri="{FF2B5EF4-FFF2-40B4-BE49-F238E27FC236}">
+                <a16:creationId xmlns:a16="http://schemas.microsoft.com/office/drawing/2014/main" id="{B17419AC-DCE6-4371-8DE2-D617E99D653D}"/>
+              </a:ext>
+            </a:extLst>
+          </p:cNvPr>
+          <p:cNvSpPr>
+            <a:spLocks noGrp="1"/>
+          </p:cNvSpPr>
+          <p:nvPr>
+            <p:ph type="title"/>
+          </p:nvPr>
+        </p:nvSpPr>
+        <p:spPr/>
+        <p:txBody>
+          <a:bodyPr/>
+          <a:lstStyle/>
+          <a:p>
+            <a:r>
+              <a:rPr lang="en-US" dirty="0">
+                <a:solidFill>
+                  <a:srgbClr val="C00000"/>
+                </a:solidFill>
+              </a:rPr>
+              <a:t>Laplace Mechanism</a:t>
+            </a:r>
+          </a:p>
+        </p:txBody>
+      </p:sp>
+      <mc:AlternateContent xmlns:mc="http://schemas.openxmlformats.org/markup-compatibility/2006" xmlns:a14="http://schemas.microsoft.com/office/drawing/2010/main">
+        <mc:Choice Requires="a14">
           <p:sp>
             <p:nvSpPr>
               <p:cNvPr id="5" name="Content Placeholder 3">
@@ -14931,7 +16275,7 @@
             </p:txBody>
           </p:sp>
         </mc:Choice>
-        <mc:Fallback>
+        <mc:Fallback xmlns="">
           <p:sp>
             <p:nvSpPr>
               <p:cNvPr id="5" name="Content Placeholder 3">
@@ -14988,7 +16332,7 @@
 </p:sld>
 </file>
 
-<file path=ppt/slides/slide23.xml><?xml version="1.0" encoding="utf-8"?>
+<file path=ppt/slides/slide26.xml><?xml version="1.0" encoding="utf-8"?>
 <p:sld xmlns:a="http://schemas.openxmlformats.org/drawingml/2006/main" xmlns:r="http://schemas.openxmlformats.org/officeDocument/2006/relationships" xmlns:p="http://schemas.openxmlformats.org/presentationml/2006/main">
   <p:cSld>
     <p:spTree>
@@ -15037,8 +16381,8 @@
           </a:p>
         </p:txBody>
       </p:sp>
-      <mc:AlternateContent xmlns:mc="http://schemas.openxmlformats.org/markup-compatibility/2006">
-        <mc:Choice xmlns:a14="http://schemas.microsoft.com/office/drawing/2010/main" Requires="a14">
+      <mc:AlternateContent xmlns:mc="http://schemas.openxmlformats.org/markup-compatibility/2006" xmlns:a14="http://schemas.microsoft.com/office/drawing/2010/main">
+        <mc:Choice Requires="a14">
           <p:sp>
             <p:nvSpPr>
               <p:cNvPr id="5" name="Content Placeholder 3">
@@ -15121,7 +16465,7 @@
             </p:txBody>
           </p:sp>
         </mc:Choice>
-        <mc:Fallback>
+        <mc:Fallback xmlns="">
           <p:sp>
             <p:nvSpPr>
               <p:cNvPr id="5" name="Content Placeholder 3">
@@ -15168,7 +16512,7 @@
     </p:spTree>
     <p:extLst>
       <p:ext uri="{BB962C8B-B14F-4D97-AF65-F5344CB8AC3E}">
-        <p14:creationId xmlns:p14="http://schemas.microsoft.com/office/powerpoint/2010/main" val="905233082"/>
+        <p14:creationId xmlns:p14="http://schemas.microsoft.com/office/powerpoint/2010/main" val="3798815518"/>
       </p:ext>
     </p:extLst>
   </p:cSld>
@@ -15178,7 +16522,7 @@
 </p:sld>
 </file>
 
-<file path=ppt/slides/slide24.xml><?xml version="1.0" encoding="utf-8"?>
+<file path=ppt/slides/slide27.xml><?xml version="1.0" encoding="utf-8"?>
 <p:sld xmlns:a="http://schemas.openxmlformats.org/drawingml/2006/main" xmlns:r="http://schemas.openxmlformats.org/officeDocument/2006/relationships" xmlns:p="http://schemas.openxmlformats.org/presentationml/2006/main">
   <p:cSld>
     <p:spTree>
@@ -15222,13 +16566,142 @@
                   <a:srgbClr val="C00000"/>
                 </a:solidFill>
               </a:rPr>
+              <a:t>Beyond Laplace Mechanism</a:t>
+            </a:r>
+          </a:p>
+        </p:txBody>
+      </p:sp>
+      <p:sp>
+        <p:nvSpPr>
+          <p:cNvPr id="5" name="Content Placeholder 3">
+            <a:extLst>
+              <a:ext uri="{FF2B5EF4-FFF2-40B4-BE49-F238E27FC236}">
+                <a16:creationId xmlns:a16="http://schemas.microsoft.com/office/drawing/2014/main" id="{46EDD9D9-1338-4BC5-9D28-964A84C143C2}"/>
+              </a:ext>
+            </a:extLst>
+          </p:cNvPr>
+          <p:cNvSpPr>
+            <a:spLocks noGrp="1"/>
+          </p:cNvSpPr>
+          <p:nvPr>
+            <p:ph idx="1"/>
+          </p:nvPr>
+        </p:nvSpPr>
+        <p:spPr>
+          <a:xfrm>
+            <a:off x="838200" y="1825624"/>
+            <a:ext cx="10242755" cy="4342094"/>
+          </a:xfrm>
+        </p:spPr>
+        <p:txBody>
+          <a:bodyPr>
+            <a:noAutofit/>
+          </a:bodyPr>
+          <a:lstStyle/>
+          <a:p>
+            <a:pPr>
+              <a:buClr>
+                <a:schemeClr val="tx1"/>
+              </a:buClr>
+            </a:pPr>
+            <a:r>
+              <a:rPr lang="en-US" sz="3200" dirty="0"/>
+              <a:t>Suppose a study is conducted that finds the current location of individuals, in the two-dimensional plane</a:t>
+            </a:r>
+          </a:p>
+          <a:p>
+            <a:pPr>
+              <a:buClr>
+                <a:schemeClr val="tx1"/>
+              </a:buClr>
+            </a:pPr>
+            <a:endParaRPr lang="en-US" sz="3200" dirty="0"/>
+          </a:p>
+          <a:p>
+            <a:pPr>
+              <a:buClr>
+                <a:schemeClr val="tx1"/>
+              </a:buClr>
+            </a:pPr>
+            <a:endParaRPr lang="en-US" sz="3200" dirty="0"/>
+          </a:p>
+          <a:p>
+            <a:pPr>
+              <a:buClr>
+                <a:schemeClr val="tx1"/>
+              </a:buClr>
+            </a:pPr>
+            <a:r>
+              <a:rPr lang="en-US" sz="3200" dirty="0"/>
+              <a:t>Who is the closest individual to a query location?</a:t>
+            </a:r>
+          </a:p>
+        </p:txBody>
+      </p:sp>
+    </p:spTree>
+    <p:extLst>
+      <p:ext uri="{BB962C8B-B14F-4D97-AF65-F5344CB8AC3E}">
+        <p14:creationId xmlns:p14="http://schemas.microsoft.com/office/powerpoint/2010/main" val="905233082"/>
+      </p:ext>
+    </p:extLst>
+  </p:cSld>
+  <p:clrMapOvr>
+    <a:masterClrMapping/>
+  </p:clrMapOvr>
+</p:sld>
+</file>
+
+<file path=ppt/slides/slide28.xml><?xml version="1.0" encoding="utf-8"?>
+<p:sld xmlns:a="http://schemas.openxmlformats.org/drawingml/2006/main" xmlns:r="http://schemas.openxmlformats.org/officeDocument/2006/relationships" xmlns:p="http://schemas.openxmlformats.org/presentationml/2006/main">
+  <p:cSld>
+    <p:spTree>
+      <p:nvGrpSpPr>
+        <p:cNvPr id="1" name=""/>
+        <p:cNvGrpSpPr/>
+        <p:nvPr/>
+      </p:nvGrpSpPr>
+      <p:grpSpPr>
+        <a:xfrm>
+          <a:off x="0" y="0"/>
+          <a:ext cx="0" cy="0"/>
+          <a:chOff x="0" y="0"/>
+          <a:chExt cx="0" cy="0"/>
+        </a:xfrm>
+      </p:grpSpPr>
+      <p:sp>
+        <p:nvSpPr>
+          <p:cNvPr id="2" name="Title 1">
+            <a:extLst>
+              <a:ext uri="{FF2B5EF4-FFF2-40B4-BE49-F238E27FC236}">
+                <a16:creationId xmlns:a16="http://schemas.microsoft.com/office/drawing/2014/main" id="{B17419AC-DCE6-4371-8DE2-D617E99D653D}"/>
+              </a:ext>
+            </a:extLst>
+          </p:cNvPr>
+          <p:cNvSpPr>
+            <a:spLocks noGrp="1"/>
+          </p:cNvSpPr>
+          <p:nvPr>
+            <p:ph type="title"/>
+          </p:nvPr>
+        </p:nvSpPr>
+        <p:spPr/>
+        <p:txBody>
+          <a:bodyPr/>
+          <a:lstStyle/>
+          <a:p>
+            <a:r>
+              <a:rPr lang="en-US" dirty="0">
+                <a:solidFill>
+                  <a:srgbClr val="C00000"/>
+                </a:solidFill>
+              </a:rPr>
               <a:t>Exponential Mechanism</a:t>
             </a:r>
           </a:p>
         </p:txBody>
       </p:sp>
-      <mc:AlternateContent xmlns:mc="http://schemas.openxmlformats.org/markup-compatibility/2006">
-        <mc:Choice xmlns:a14="http://schemas.microsoft.com/office/drawing/2010/main" Requires="a14">
+      <mc:AlternateContent xmlns:mc="http://schemas.openxmlformats.org/markup-compatibility/2006" xmlns:a14="http://schemas.microsoft.com/office/drawing/2010/main">
+        <mc:Choice Requires="a14">
           <p:sp>
             <p:nvSpPr>
               <p:cNvPr id="5" name="Content Placeholder 3">
@@ -15591,7 +17064,7 @@
             </p:txBody>
           </p:sp>
         </mc:Choice>
-        <mc:Fallback>
+        <mc:Fallback xmlns="">
           <p:sp>
             <p:nvSpPr>
               <p:cNvPr id="5" name="Content Placeholder 3">
@@ -15648,7 +17121,7 @@
 </p:sld>
 </file>
 
-<file path=ppt/slides/slide25.xml><?xml version="1.0" encoding="utf-8"?>
+<file path=ppt/slides/slide29.xml><?xml version="1.0" encoding="utf-8"?>
 <p:sld xmlns:a="http://schemas.openxmlformats.org/drawingml/2006/main" xmlns:r="http://schemas.openxmlformats.org/officeDocument/2006/relationships" xmlns:p="http://schemas.openxmlformats.org/presentationml/2006/main">
   <p:cSld>
     <p:spTree>
@@ -15697,8 +17170,8 @@
           </a:p>
         </p:txBody>
       </p:sp>
-      <mc:AlternateContent xmlns:mc="http://schemas.openxmlformats.org/markup-compatibility/2006">
-        <mc:Choice xmlns:a14="http://schemas.microsoft.com/office/drawing/2010/main" Requires="a14">
+      <mc:AlternateContent xmlns:mc="http://schemas.openxmlformats.org/markup-compatibility/2006" xmlns:a14="http://schemas.microsoft.com/office/drawing/2010/main">
+        <mc:Choice Requires="a14">
           <p:sp>
             <p:nvSpPr>
               <p:cNvPr id="5" name="Content Placeholder 3">
@@ -15840,18 +17313,13 @@
                 </a:r>
                 <a:r>
                   <a:rPr lang="en-US" sz="3200" dirty="0"/>
-                  <a:t>: sampling process may be </a:t>
+                  <a:t>: sampling process may be inefficient</a:t>
                 </a:r>
-                <a:r>
-                  <a:rPr lang="en-US" sz="3200" dirty="0" err="1"/>
-                  <a:t>inefficent</a:t>
-                </a:r>
-                <a:endParaRPr lang="en-US" sz="3200" dirty="0"/>
               </a:p>
             </p:txBody>
           </p:sp>
         </mc:Choice>
-        <mc:Fallback>
+        <mc:Fallback xmlns="">
           <p:sp>
             <p:nvSpPr>
               <p:cNvPr id="5" name="Content Placeholder 3">
@@ -21355,8 +22823,8 @@
           </a:p>
         </p:txBody>
       </p:sp>
-      <mc:AlternateContent xmlns:mc="http://schemas.openxmlformats.org/markup-compatibility/2006">
-        <mc:Choice xmlns:a14="http://schemas.microsoft.com/office/drawing/2010/main" Requires="a14">
+      <mc:AlternateContent xmlns:mc="http://schemas.openxmlformats.org/markup-compatibility/2006" xmlns:a14="http://schemas.microsoft.com/office/drawing/2010/main">
+        <mc:Choice Requires="a14">
           <p:sp>
             <p:nvSpPr>
               <p:cNvPr id="5" name="Content Placeholder 3">
@@ -21469,7 +22937,7 @@
                     <m:sSub>
                       <m:sSubPr>
                         <m:ctrlPr>
-                          <a:rPr lang="en-US" sz="3200" b="0" i="0" smtClean="0">
+                          <a:rPr lang="en-US" sz="3200" b="0" i="1" smtClean="0">
                             <a:solidFill>
                               <a:srgbClr val="C00000"/>
                             </a:solidFill>
@@ -21990,7 +23458,7 @@
             </p:txBody>
           </p:sp>
         </mc:Choice>
-        <mc:Fallback>
+        <mc:Fallback xmlns="">
           <p:sp>
             <p:nvSpPr>
               <p:cNvPr id="5" name="Content Placeholder 3">

--- a/CSCE689-23/L33.pptx
+++ b/CSCE689-23/L33.pptx
@@ -9906,8 +9906,8 @@
           </a:p>
         </p:txBody>
       </p:sp>
-      <mc:AlternateContent xmlns:mc="http://schemas.openxmlformats.org/markup-compatibility/2006" xmlns:a14="http://schemas.microsoft.com/office/drawing/2010/main">
-        <mc:Choice Requires="a14">
+      <mc:AlternateContent xmlns:mc="http://schemas.openxmlformats.org/markup-compatibility/2006">
+        <mc:Choice xmlns:a14="http://schemas.microsoft.com/office/drawing/2010/main" Requires="a14">
           <p:sp>
             <p:nvSpPr>
               <p:cNvPr id="5" name="Content Placeholder 3">
@@ -10604,6 +10604,297 @@
                     <a:schemeClr val="tx1"/>
                   </a:buClr>
                 </a:pPr>
+                <a14:m>
+                  <m:oMath xmlns:m="http://schemas.openxmlformats.org/officeDocument/2006/math">
+                    <m:func>
+                      <m:funcPr>
+                        <m:ctrlPr>
+                          <a:rPr lang="en-US" sz="3200" b="0" i="1" smtClean="0">
+                            <a:solidFill>
+                              <a:srgbClr val="C00000"/>
+                            </a:solidFill>
+                            <a:latin typeface="Cambria Math" panose="02040503050406030204" pitchFamily="18" charset="0"/>
+                          </a:rPr>
+                        </m:ctrlPr>
+                      </m:funcPr>
+                      <m:fName>
+                        <m:r>
+                          <m:rPr>
+                            <m:sty m:val="p"/>
+                          </m:rPr>
+                          <a:rPr lang="en-US" sz="3200" b="0" i="0" smtClean="0">
+                            <a:solidFill>
+                              <a:srgbClr val="C00000"/>
+                            </a:solidFill>
+                            <a:latin typeface="Cambria Math" panose="02040503050406030204" pitchFamily="18" charset="0"/>
+                          </a:rPr>
+                          <m:t>Pr</m:t>
+                        </m:r>
+                      </m:fName>
+                      <m:e>
+                        <m:d>
+                          <m:dPr>
+                            <m:begChr m:val="["/>
+                            <m:endChr m:val="]"/>
+                            <m:ctrlPr>
+                              <a:rPr lang="en-US" sz="3200" b="0" i="1" smtClean="0">
+                                <a:solidFill>
+                                  <a:srgbClr val="C00000"/>
+                                </a:solidFill>
+                                <a:latin typeface="Cambria Math" panose="02040503050406030204" pitchFamily="18" charset="0"/>
+                              </a:rPr>
+                            </m:ctrlPr>
+                          </m:dPr>
+                          <m:e>
+                            <m:sSub>
+                              <m:sSubPr>
+                                <m:ctrlPr>
+                                  <a:rPr lang="en-US" sz="3200" b="0" i="1" smtClean="0">
+                                    <a:solidFill>
+                                      <a:srgbClr val="C00000"/>
+                                    </a:solidFill>
+                                    <a:latin typeface="Cambria Math" panose="02040503050406030204" pitchFamily="18" charset="0"/>
+                                  </a:rPr>
+                                </m:ctrlPr>
+                              </m:sSubPr>
+                              <m:e>
+                                <m:r>
+                                  <a:rPr lang="en-US" sz="3200" b="0" i="1" smtClean="0">
+                                    <a:solidFill>
+                                      <a:srgbClr val="C00000"/>
+                                    </a:solidFill>
+                                    <a:latin typeface="Cambria Math" panose="02040503050406030204" pitchFamily="18" charset="0"/>
+                                  </a:rPr>
+                                  <m:t>𝑌</m:t>
+                                </m:r>
+                              </m:e>
+                              <m:sub>
+                                <m:r>
+                                  <a:rPr lang="en-US" sz="3200" b="0" i="1" smtClean="0">
+                                    <a:solidFill>
+                                      <a:srgbClr val="C00000"/>
+                                    </a:solidFill>
+                                    <a:latin typeface="Cambria Math" panose="02040503050406030204" pitchFamily="18" charset="0"/>
+                                  </a:rPr>
+                                  <m:t>𝑖</m:t>
+                                </m:r>
+                              </m:sub>
+                            </m:sSub>
+                            <m:r>
+                              <a:rPr lang="en-US" sz="3200" b="0" i="1" smtClean="0">
+                                <a:solidFill>
+                                  <a:srgbClr val="C00000"/>
+                                </a:solidFill>
+                                <a:latin typeface="Cambria Math" panose="02040503050406030204" pitchFamily="18" charset="0"/>
+                              </a:rPr>
+                              <m:t>=1 | </m:t>
+                            </m:r>
+                            <m:sSub>
+                              <m:sSubPr>
+                                <m:ctrlPr>
+                                  <a:rPr lang="en-US" sz="3200" b="0" i="1" smtClean="0">
+                                    <a:solidFill>
+                                      <a:srgbClr val="C00000"/>
+                                    </a:solidFill>
+                                    <a:latin typeface="Cambria Math" panose="02040503050406030204" pitchFamily="18" charset="0"/>
+                                  </a:rPr>
+                                </m:ctrlPr>
+                              </m:sSubPr>
+                              <m:e>
+                                <m:r>
+                                  <a:rPr lang="en-US" sz="3200" b="0" i="1" smtClean="0">
+                                    <a:solidFill>
+                                      <a:srgbClr val="C00000"/>
+                                    </a:solidFill>
+                                    <a:latin typeface="Cambria Math" panose="02040503050406030204" pitchFamily="18" charset="0"/>
+                                  </a:rPr>
+                                  <m:t>𝑋</m:t>
+                                </m:r>
+                              </m:e>
+                              <m:sub>
+                                <m:r>
+                                  <a:rPr lang="en-US" sz="3200" b="0" i="1" smtClean="0">
+                                    <a:solidFill>
+                                      <a:srgbClr val="C00000"/>
+                                    </a:solidFill>
+                                    <a:latin typeface="Cambria Math" panose="02040503050406030204" pitchFamily="18" charset="0"/>
+                                  </a:rPr>
+                                  <m:t>𝑖</m:t>
+                                </m:r>
+                              </m:sub>
+                            </m:sSub>
+                            <m:r>
+                              <a:rPr lang="en-US" sz="3200" b="0" i="1" smtClean="0">
+                                <a:solidFill>
+                                  <a:srgbClr val="C00000"/>
+                                </a:solidFill>
+                                <a:latin typeface="Cambria Math" panose="02040503050406030204" pitchFamily="18" charset="0"/>
+                              </a:rPr>
+                              <m:t>=</m:t>
+                            </m:r>
+                            <m:r>
+                              <a:rPr lang="en-US" sz="3200" b="0" i="1" smtClean="0">
+                                <a:solidFill>
+                                  <a:srgbClr val="C00000"/>
+                                </a:solidFill>
+                                <a:latin typeface="Cambria Math" panose="02040503050406030204" pitchFamily="18" charset="0"/>
+                              </a:rPr>
+                              <m:t>1</m:t>
+                            </m:r>
+                          </m:e>
+                        </m:d>
+                      </m:e>
+                    </m:func>
+                    <m:r>
+                      <a:rPr lang="en-US" sz="3200" b="0" i="1" smtClean="0">
+                        <a:solidFill>
+                          <a:srgbClr val="C00000"/>
+                        </a:solidFill>
+                        <a:latin typeface="Cambria Math" panose="02040503050406030204" pitchFamily="18" charset="0"/>
+                      </a:rPr>
+                      <m:t>≤3⋅</m:t>
+                    </m:r>
+                    <m:func>
+                      <m:funcPr>
+                        <m:ctrlPr>
+                          <a:rPr lang="en-US" sz="3200" b="0" i="1" smtClean="0">
+                            <a:solidFill>
+                              <a:srgbClr val="C00000"/>
+                            </a:solidFill>
+                            <a:latin typeface="Cambria Math" panose="02040503050406030204" pitchFamily="18" charset="0"/>
+                          </a:rPr>
+                        </m:ctrlPr>
+                      </m:funcPr>
+                      <m:fName>
+                        <m:r>
+                          <m:rPr>
+                            <m:sty m:val="p"/>
+                          </m:rPr>
+                          <a:rPr lang="en-US" sz="3200" b="0" i="0" smtClean="0">
+                            <a:solidFill>
+                              <a:srgbClr val="C00000"/>
+                            </a:solidFill>
+                            <a:latin typeface="Cambria Math" panose="02040503050406030204" pitchFamily="18" charset="0"/>
+                          </a:rPr>
+                          <m:t>Pr</m:t>
+                        </m:r>
+                      </m:fName>
+                      <m:e>
+                        <m:d>
+                          <m:dPr>
+                            <m:begChr m:val="["/>
+                            <m:endChr m:val="]"/>
+                            <m:ctrlPr>
+                              <a:rPr lang="en-US" sz="3200" b="0" i="1" smtClean="0">
+                                <a:solidFill>
+                                  <a:srgbClr val="C00000"/>
+                                </a:solidFill>
+                                <a:latin typeface="Cambria Math" panose="02040503050406030204" pitchFamily="18" charset="0"/>
+                              </a:rPr>
+                            </m:ctrlPr>
+                          </m:dPr>
+                          <m:e>
+                            <m:sSub>
+                              <m:sSubPr>
+                                <m:ctrlPr>
+                                  <a:rPr lang="en-US" sz="3200" b="0" i="1" smtClean="0">
+                                    <a:solidFill>
+                                      <a:srgbClr val="C00000"/>
+                                    </a:solidFill>
+                                    <a:latin typeface="Cambria Math" panose="02040503050406030204" pitchFamily="18" charset="0"/>
+                                  </a:rPr>
+                                </m:ctrlPr>
+                              </m:sSubPr>
+                              <m:e>
+                                <m:r>
+                                  <a:rPr lang="en-US" sz="3200" b="0" i="1" smtClean="0">
+                                    <a:solidFill>
+                                      <a:srgbClr val="C00000"/>
+                                    </a:solidFill>
+                                    <a:latin typeface="Cambria Math" panose="02040503050406030204" pitchFamily="18" charset="0"/>
+                                  </a:rPr>
+                                  <m:t>𝑌</m:t>
+                                </m:r>
+                              </m:e>
+                              <m:sub>
+                                <m:r>
+                                  <a:rPr lang="en-US" sz="3200" b="0" i="1" smtClean="0">
+                                    <a:solidFill>
+                                      <a:srgbClr val="C00000"/>
+                                    </a:solidFill>
+                                    <a:latin typeface="Cambria Math" panose="02040503050406030204" pitchFamily="18" charset="0"/>
+                                  </a:rPr>
+                                  <m:t>𝑖</m:t>
+                                </m:r>
+                              </m:sub>
+                            </m:sSub>
+                            <m:r>
+                              <a:rPr lang="en-US" sz="3200" b="0" i="1" smtClean="0">
+                                <a:solidFill>
+                                  <a:srgbClr val="C00000"/>
+                                </a:solidFill>
+                                <a:latin typeface="Cambria Math" panose="02040503050406030204" pitchFamily="18" charset="0"/>
+                              </a:rPr>
+                              <m:t>=1 | </m:t>
+                            </m:r>
+                            <m:sSub>
+                              <m:sSubPr>
+                                <m:ctrlPr>
+                                  <a:rPr lang="en-US" sz="3200" b="0" i="1" smtClean="0">
+                                    <a:solidFill>
+                                      <a:srgbClr val="C00000"/>
+                                    </a:solidFill>
+                                    <a:latin typeface="Cambria Math" panose="02040503050406030204" pitchFamily="18" charset="0"/>
+                                  </a:rPr>
+                                </m:ctrlPr>
+                              </m:sSubPr>
+                              <m:e>
+                                <m:r>
+                                  <a:rPr lang="en-US" sz="3200" b="0" i="1" smtClean="0">
+                                    <a:solidFill>
+                                      <a:srgbClr val="C00000"/>
+                                    </a:solidFill>
+                                    <a:latin typeface="Cambria Math" panose="02040503050406030204" pitchFamily="18" charset="0"/>
+                                  </a:rPr>
+                                  <m:t>𝑋</m:t>
+                                </m:r>
+                              </m:e>
+                              <m:sub>
+                                <m:r>
+                                  <a:rPr lang="en-US" sz="3200" b="0" i="1" smtClean="0">
+                                    <a:solidFill>
+                                      <a:srgbClr val="C00000"/>
+                                    </a:solidFill>
+                                    <a:latin typeface="Cambria Math" panose="02040503050406030204" pitchFamily="18" charset="0"/>
+                                  </a:rPr>
+                                  <m:t>𝑖</m:t>
+                                </m:r>
+                              </m:sub>
+                            </m:sSub>
+                            <m:r>
+                              <a:rPr lang="en-US" sz="3200" b="0" i="1" smtClean="0">
+                                <a:solidFill>
+                                  <a:srgbClr val="C00000"/>
+                                </a:solidFill>
+                                <a:latin typeface="Cambria Math" panose="02040503050406030204" pitchFamily="18" charset="0"/>
+                              </a:rPr>
+                              <m:t>=</m:t>
+                            </m:r>
+                            <m:r>
+                              <a:rPr lang="en-US" sz="3200" b="0" i="1" smtClean="0">
+                                <a:solidFill>
+                                  <a:srgbClr val="C00000"/>
+                                </a:solidFill>
+                                <a:latin typeface="Cambria Math" panose="02040503050406030204" pitchFamily="18" charset="0"/>
+                              </a:rPr>
+                              <m:t>0</m:t>
+                            </m:r>
+                          </m:e>
+                        </m:d>
+                      </m:e>
+                    </m:func>
+                  </m:oMath>
+                </a14:m>
                 <a:endParaRPr lang="en-US" sz="3200" dirty="0"/>
               </a:p>
               <a:p>
@@ -10655,7 +10946,7 @@
             </p:txBody>
           </p:sp>
         </mc:Choice>
-        <mc:Fallback xmlns="">
+        <mc:Fallback>
           <p:sp>
             <p:nvSpPr>
               <p:cNvPr id="5" name="Content Placeholder 3">
@@ -14787,8 +15078,8 @@
           </a:p>
         </p:txBody>
       </p:sp>
-      <mc:AlternateContent xmlns:mc="http://schemas.openxmlformats.org/markup-compatibility/2006">
-        <mc:Choice xmlns:a14="http://schemas.microsoft.com/office/drawing/2010/main" Requires="a14">
+      <mc:AlternateContent xmlns:mc="http://schemas.openxmlformats.org/markup-compatibility/2006" xmlns:a14="http://schemas.microsoft.com/office/drawing/2010/main">
+        <mc:Choice Requires="a14">
           <p:sp>
             <p:nvSpPr>
               <p:cNvPr id="5" name="Content Placeholder 3">
@@ -15152,7 +15443,7 @@
             </p:txBody>
           </p:sp>
         </mc:Choice>
-        <mc:Fallback>
+        <mc:Fallback xmlns="">
           <p:sp>
             <p:nvSpPr>
               <p:cNvPr id="5" name="Content Placeholder 3">
